--- a/TP/TP_01_Sympact/TP_PFD_Sympact_Synthese.pptx
+++ b/TP/TP_01_Sympact/TP_PFD_Sympact_Synthese.pptx
@@ -290,7 +290,7 @@
           <a:p>
             <a:fld id="{AA309A6D-C09C-4548-B29A-6CF363A7E532}" type="datetimeFigureOut">
               <a:rPr lang="fr-FR" smtClean="0"/>
-              <a:t>30/11/2017</a:t>
+              <a:t>05/12/2017</a:t>
             </a:fld>
             <a:endParaRPr lang="fr-BE"/>
           </a:p>
@@ -455,7 +455,7 @@
           <a:p>
             <a:fld id="{AA309A6D-C09C-4548-B29A-6CF363A7E532}" type="datetimeFigureOut">
               <a:rPr lang="fr-FR" smtClean="0"/>
-              <a:t>30/11/2017</a:t>
+              <a:t>05/12/2017</a:t>
             </a:fld>
             <a:endParaRPr lang="fr-BE"/>
           </a:p>
@@ -630,7 +630,7 @@
           <a:p>
             <a:fld id="{AA309A6D-C09C-4548-B29A-6CF363A7E532}" type="datetimeFigureOut">
               <a:rPr lang="fr-FR" smtClean="0"/>
-              <a:t>30/11/2017</a:t>
+              <a:t>05/12/2017</a:t>
             </a:fld>
             <a:endParaRPr lang="fr-BE"/>
           </a:p>
@@ -795,7 +795,7 @@
           <a:p>
             <a:fld id="{AA309A6D-C09C-4548-B29A-6CF363A7E532}" type="datetimeFigureOut">
               <a:rPr lang="fr-FR" smtClean="0"/>
-              <a:t>30/11/2017</a:t>
+              <a:t>05/12/2017</a:t>
             </a:fld>
             <a:endParaRPr lang="fr-BE"/>
           </a:p>
@@ -1036,7 +1036,7 @@
           <a:p>
             <a:fld id="{AA309A6D-C09C-4548-B29A-6CF363A7E532}" type="datetimeFigureOut">
               <a:rPr lang="fr-FR" smtClean="0"/>
-              <a:t>30/11/2017</a:t>
+              <a:t>05/12/2017</a:t>
             </a:fld>
             <a:endParaRPr lang="fr-BE"/>
           </a:p>
@@ -1319,7 +1319,7 @@
           <a:p>
             <a:fld id="{AA309A6D-C09C-4548-B29A-6CF363A7E532}" type="datetimeFigureOut">
               <a:rPr lang="fr-FR" smtClean="0"/>
-              <a:t>30/11/2017</a:t>
+              <a:t>05/12/2017</a:t>
             </a:fld>
             <a:endParaRPr lang="fr-BE"/>
           </a:p>
@@ -1736,7 +1736,7 @@
           <a:p>
             <a:fld id="{AA309A6D-C09C-4548-B29A-6CF363A7E532}" type="datetimeFigureOut">
               <a:rPr lang="fr-FR" smtClean="0"/>
-              <a:t>30/11/2017</a:t>
+              <a:t>05/12/2017</a:t>
             </a:fld>
             <a:endParaRPr lang="fr-BE"/>
           </a:p>
@@ -1849,7 +1849,7 @@
           <a:p>
             <a:fld id="{AA309A6D-C09C-4548-B29A-6CF363A7E532}" type="datetimeFigureOut">
               <a:rPr lang="fr-FR" smtClean="0"/>
-              <a:t>30/11/2017</a:t>
+              <a:t>05/12/2017</a:t>
             </a:fld>
             <a:endParaRPr lang="fr-BE"/>
           </a:p>
@@ -1939,7 +1939,7 @@
           <a:p>
             <a:fld id="{AA309A6D-C09C-4548-B29A-6CF363A7E532}" type="datetimeFigureOut">
               <a:rPr lang="fr-FR" smtClean="0"/>
-              <a:t>30/11/2017</a:t>
+              <a:t>05/12/2017</a:t>
             </a:fld>
             <a:endParaRPr lang="fr-BE"/>
           </a:p>
@@ -2211,7 +2211,7 @@
           <a:p>
             <a:fld id="{AA309A6D-C09C-4548-B29A-6CF363A7E532}" type="datetimeFigureOut">
               <a:rPr lang="fr-FR" smtClean="0"/>
-              <a:t>30/11/2017</a:t>
+              <a:t>05/12/2017</a:t>
             </a:fld>
             <a:endParaRPr lang="fr-BE"/>
           </a:p>
@@ -2459,7 +2459,7 @@
           <a:p>
             <a:fld id="{AA309A6D-C09C-4548-B29A-6CF363A7E532}" type="datetimeFigureOut">
               <a:rPr lang="fr-FR" smtClean="0"/>
-              <a:t>30/11/2017</a:t>
+              <a:t>05/12/2017</a:t>
             </a:fld>
             <a:endParaRPr lang="fr-BE"/>
           </a:p>
@@ -2667,7 +2667,7 @@
           <a:p>
             <a:fld id="{AA309A6D-C09C-4548-B29A-6CF363A7E532}" type="datetimeFigureOut">
               <a:rPr lang="fr-FR" smtClean="0"/>
-              <a:t>30/11/2017</a:t>
+              <a:t>05/12/2017</a:t>
             </a:fld>
             <a:endParaRPr lang="fr-BE"/>
           </a:p>
@@ -5274,8 +5274,8 @@
           </a:p>
         </p:txBody>
       </p:sp>
-      <mc:AlternateContent xmlns:mc="http://schemas.openxmlformats.org/markup-compatibility/2006">
-        <mc:Choice xmlns:a14="http://schemas.microsoft.com/office/drawing/2010/main" Requires="a14">
+      <mc:AlternateContent xmlns:mc="http://schemas.openxmlformats.org/markup-compatibility/2006" xmlns:a14="http://schemas.microsoft.com/office/drawing/2010/main">
+        <mc:Choice Requires="a14">
           <p:sp>
             <p:nvSpPr>
               <p:cNvPr id="11" name="Rectangle 10"/>
@@ -5360,7 +5360,7 @@
             </p:txBody>
           </p:sp>
         </mc:Choice>
-        <mc:Fallback>
+        <mc:Fallback xmlns="">
           <p:sp>
             <p:nvSpPr>
               <p:cNvPr id="11" name="Rectangle 10"/>
@@ -5614,82 +5614,6 @@
           </a:p>
         </p:txBody>
       </p:sp>
-      <p:cxnSp>
-        <p:nvCxnSpPr>
-          <p:cNvPr id="34" name="Connecteur droit avec flèche 33"/>
-          <p:cNvCxnSpPr/>
-          <p:nvPr/>
-        </p:nvCxnSpPr>
-        <p:spPr>
-          <a:xfrm flipV="1">
-            <a:off x="623867" y="2994986"/>
-            <a:ext cx="0" cy="1512168"/>
-          </a:xfrm>
-          <a:prstGeom prst="straightConnector1">
-            <a:avLst/>
-          </a:prstGeom>
-          <a:ln w="12700">
-            <a:solidFill>
-              <a:schemeClr val="accent5">
-                <a:lumMod val="50000"/>
-              </a:schemeClr>
-            </a:solidFill>
-            <a:tailEnd type="stealth" w="med" len="lg"/>
-          </a:ln>
-        </p:spPr>
-        <p:style>
-          <a:lnRef idx="1">
-            <a:schemeClr val="accent1"/>
-          </a:lnRef>
-          <a:fillRef idx="0">
-            <a:schemeClr val="accent1"/>
-          </a:fillRef>
-          <a:effectRef idx="0">
-            <a:schemeClr val="accent1"/>
-          </a:effectRef>
-          <a:fontRef idx="minor">
-            <a:schemeClr val="tx1"/>
-          </a:fontRef>
-        </p:style>
-      </p:cxnSp>
-      <p:cxnSp>
-        <p:nvCxnSpPr>
-          <p:cNvPr id="35" name="Connecteur droit avec flèche 34"/>
-          <p:cNvCxnSpPr/>
-          <p:nvPr/>
-        </p:nvCxnSpPr>
-        <p:spPr>
-          <a:xfrm>
-            <a:off x="479851" y="3787074"/>
-            <a:ext cx="2816965" cy="0"/>
-          </a:xfrm>
-          <a:prstGeom prst="straightConnector1">
-            <a:avLst/>
-          </a:prstGeom>
-          <a:ln w="12700">
-            <a:solidFill>
-              <a:schemeClr val="accent5">
-                <a:lumMod val="50000"/>
-              </a:schemeClr>
-            </a:solidFill>
-            <a:tailEnd type="stealth" w="med" len="lg"/>
-          </a:ln>
-        </p:spPr>
-        <p:style>
-          <a:lnRef idx="1">
-            <a:schemeClr val="accent1"/>
-          </a:lnRef>
-          <a:fillRef idx="0">
-            <a:schemeClr val="accent1"/>
-          </a:fillRef>
-          <a:effectRef idx="0">
-            <a:schemeClr val="accent1"/>
-          </a:effectRef>
-          <a:fontRef idx="minor">
-            <a:schemeClr val="tx1"/>
-          </a:fontRef>
-        </p:style>
-      </p:cxnSp>
       <p:sp>
         <p:nvSpPr>
           <p:cNvPr id="38" name="ZoneTexte 37"/>
@@ -5785,7 +5709,7 @@
                   <a:schemeClr val="tx1"/>
                 </a:solidFill>
               </a:rPr>
-              <a:t>=</a:t>
+              <a:t>= 18,5 Nm</a:t>
             </a:r>
             <a:endParaRPr lang="fr-FR" sz="1000" b="1" dirty="0">
               <a:solidFill>
@@ -6063,14 +5987,14 @@
       </p:sp>
       <p:sp>
         <p:nvSpPr>
-          <p:cNvPr id="65" name="ZoneTexte 64"/>
+          <p:cNvPr id="66" name="ZoneTexte 65"/>
           <p:cNvSpPr txBox="1"/>
           <p:nvPr/>
         </p:nvSpPr>
         <p:spPr>
           <a:xfrm>
-            <a:off x="480921" y="4523676"/>
-            <a:ext cx="2959912" cy="246221"/>
+            <a:off x="3985767" y="4532143"/>
+            <a:ext cx="2914994" cy="246221"/>
           </a:xfrm>
           <a:prstGeom prst="rect">
             <a:avLst/>
@@ -6085,118 +6009,12 @@
           <a:p>
             <a:r>
               <a:rPr lang="fr-FR" sz="1000" i="1" dirty="0" smtClean="0"/>
-              <a:t>Activité 5 : courbe de vitesse de la barrière</a:t>
+              <a:t>Activités 7 &amp; 8 : courbes de couple et de puissance</a:t>
             </a:r>
             <a:endParaRPr lang="fr-FR" sz="1000" i="1" dirty="0"/>
           </a:p>
         </p:txBody>
       </p:sp>
-      <p:sp>
-        <p:nvSpPr>
-          <p:cNvPr id="66" name="ZoneTexte 65"/>
-          <p:cNvSpPr txBox="1"/>
-          <p:nvPr/>
-        </p:nvSpPr>
-        <p:spPr>
-          <a:xfrm>
-            <a:off x="3985767" y="4532143"/>
-            <a:ext cx="2914994" cy="246221"/>
-          </a:xfrm>
-          <a:prstGeom prst="rect">
-            <a:avLst/>
-          </a:prstGeom>
-          <a:noFill/>
-        </p:spPr>
-        <p:txBody>
-          <a:bodyPr wrap="square" rtlCol="0">
-            <a:spAutoFit/>
-          </a:bodyPr>
-          <a:lstStyle/>
-          <a:p>
-            <a:r>
-              <a:rPr lang="fr-FR" sz="1000" i="1" dirty="0" smtClean="0"/>
-              <a:t>Activités 7 &amp; 8 : courbes de couple et de puissance</a:t>
-            </a:r>
-            <a:endParaRPr lang="fr-FR" sz="1000" i="1" dirty="0"/>
-          </a:p>
-        </p:txBody>
-      </p:sp>
-      <p:cxnSp>
-        <p:nvCxnSpPr>
-          <p:cNvPr id="67" name="Connecteur droit avec flèche 66"/>
-          <p:cNvCxnSpPr/>
-          <p:nvPr/>
-        </p:nvCxnSpPr>
-        <p:spPr>
-          <a:xfrm flipV="1">
-            <a:off x="4160643" y="3003789"/>
-            <a:ext cx="0" cy="1512168"/>
-          </a:xfrm>
-          <a:prstGeom prst="straightConnector1">
-            <a:avLst/>
-          </a:prstGeom>
-          <a:ln w="12700">
-            <a:solidFill>
-              <a:schemeClr val="accent5">
-                <a:lumMod val="50000"/>
-              </a:schemeClr>
-            </a:solidFill>
-            <a:tailEnd type="stealth" w="med" len="lg"/>
-          </a:ln>
-        </p:spPr>
-        <p:style>
-          <a:lnRef idx="1">
-            <a:schemeClr val="accent1"/>
-          </a:lnRef>
-          <a:fillRef idx="0">
-            <a:schemeClr val="accent1"/>
-          </a:fillRef>
-          <a:effectRef idx="0">
-            <a:schemeClr val="accent1"/>
-          </a:effectRef>
-          <a:fontRef idx="minor">
-            <a:schemeClr val="tx1"/>
-          </a:fontRef>
-        </p:style>
-      </p:cxnSp>
-      <p:cxnSp>
-        <p:nvCxnSpPr>
-          <p:cNvPr id="68" name="Connecteur droit avec flèche 67"/>
-          <p:cNvCxnSpPr/>
-          <p:nvPr/>
-        </p:nvCxnSpPr>
-        <p:spPr>
-          <a:xfrm>
-            <a:off x="4016627" y="3795877"/>
-            <a:ext cx="1367802" cy="0"/>
-          </a:xfrm>
-          <a:prstGeom prst="straightConnector1">
-            <a:avLst/>
-          </a:prstGeom>
-          <a:ln w="12700">
-            <a:solidFill>
-              <a:schemeClr val="accent5">
-                <a:lumMod val="50000"/>
-              </a:schemeClr>
-            </a:solidFill>
-            <a:tailEnd type="stealth" w="med" len="lg"/>
-          </a:ln>
-        </p:spPr>
-        <p:style>
-          <a:lnRef idx="1">
-            <a:schemeClr val="accent1"/>
-          </a:lnRef>
-          <a:fillRef idx="0">
-            <a:schemeClr val="accent1"/>
-          </a:fillRef>
-          <a:effectRef idx="0">
-            <a:schemeClr val="accent1"/>
-          </a:effectRef>
-          <a:fontRef idx="minor">
-            <a:schemeClr val="tx1"/>
-          </a:fontRef>
-        </p:style>
-      </p:cxnSp>
       <p:sp>
         <p:nvSpPr>
           <p:cNvPr id="69" name="Rectangle 68"/>
@@ -6306,82 +6124,6 @@
           </a:p>
         </p:txBody>
       </p:sp>
-      <p:cxnSp>
-        <p:nvCxnSpPr>
-          <p:cNvPr id="72" name="Connecteur droit avec flèche 71"/>
-          <p:cNvCxnSpPr/>
-          <p:nvPr/>
-        </p:nvCxnSpPr>
-        <p:spPr>
-          <a:xfrm flipV="1">
-            <a:off x="5673080" y="3011508"/>
-            <a:ext cx="0" cy="1512168"/>
-          </a:xfrm>
-          <a:prstGeom prst="straightConnector1">
-            <a:avLst/>
-          </a:prstGeom>
-          <a:ln w="12700">
-            <a:solidFill>
-              <a:schemeClr val="accent5">
-                <a:lumMod val="50000"/>
-              </a:schemeClr>
-            </a:solidFill>
-            <a:tailEnd type="stealth" w="med" len="lg"/>
-          </a:ln>
-        </p:spPr>
-        <p:style>
-          <a:lnRef idx="1">
-            <a:schemeClr val="accent1"/>
-          </a:lnRef>
-          <a:fillRef idx="0">
-            <a:schemeClr val="accent1"/>
-          </a:fillRef>
-          <a:effectRef idx="0">
-            <a:schemeClr val="accent1"/>
-          </a:effectRef>
-          <a:fontRef idx="minor">
-            <a:schemeClr val="tx1"/>
-          </a:fontRef>
-        </p:style>
-      </p:cxnSp>
-      <p:cxnSp>
-        <p:nvCxnSpPr>
-          <p:cNvPr id="73" name="Connecteur droit avec flèche 72"/>
-          <p:cNvCxnSpPr/>
-          <p:nvPr/>
-        </p:nvCxnSpPr>
-        <p:spPr>
-          <a:xfrm>
-            <a:off x="5529064" y="3803596"/>
-            <a:ext cx="1367802" cy="0"/>
-          </a:xfrm>
-          <a:prstGeom prst="straightConnector1">
-            <a:avLst/>
-          </a:prstGeom>
-          <a:ln w="12700">
-            <a:solidFill>
-              <a:schemeClr val="accent5">
-                <a:lumMod val="50000"/>
-              </a:schemeClr>
-            </a:solidFill>
-            <a:tailEnd type="stealth" w="med" len="lg"/>
-          </a:ln>
-        </p:spPr>
-        <p:style>
-          <a:lnRef idx="1">
-            <a:schemeClr val="accent1"/>
-          </a:lnRef>
-          <a:fillRef idx="0">
-            <a:schemeClr val="accent1"/>
-          </a:fillRef>
-          <a:effectRef idx="0">
-            <a:schemeClr val="accent1"/>
-          </a:effectRef>
-          <a:fontRef idx="minor">
-            <a:schemeClr val="tx1"/>
-          </a:fontRef>
-        </p:style>
-      </p:cxnSp>
       <p:sp>
         <p:nvSpPr>
           <p:cNvPr id="75" name="Rectangle 74"/>
@@ -6446,7 +6188,7 @@
                   <a:schemeClr val="tx1"/>
                 </a:solidFill>
               </a:rPr>
-              <a:t>=</a:t>
+              <a:t>= 90 W</a:t>
             </a:r>
             <a:endParaRPr lang="fr-FR" sz="1000" b="1" dirty="0">
               <a:solidFill>
@@ -6569,7 +6311,7 @@
                   <a:schemeClr val="tx1"/>
                 </a:solidFill>
               </a:rPr>
-              <a:t>=</a:t>
+              <a:t>= 31Nm</a:t>
             </a:r>
             <a:endParaRPr lang="fr-FR" sz="1000" b="1" dirty="0">
               <a:solidFill>
@@ -6904,7 +6646,7 @@
                   <a:schemeClr val="tx1"/>
                 </a:solidFill>
               </a:rPr>
-              <a:t>=</a:t>
+              <a:t>= 150W</a:t>
             </a:r>
             <a:endParaRPr lang="fr-FR" sz="1000" b="1" dirty="0">
               <a:solidFill>
@@ -7023,82 +6765,6 @@
           </a:p>
         </p:txBody>
       </p:sp>
-      <p:cxnSp>
-        <p:nvCxnSpPr>
-          <p:cNvPr id="88" name="Connecteur droit avec flèche 87"/>
-          <p:cNvCxnSpPr/>
-          <p:nvPr/>
-        </p:nvCxnSpPr>
-        <p:spPr>
-          <a:xfrm flipV="1">
-            <a:off x="6537524" y="5157192"/>
-            <a:ext cx="0" cy="1512168"/>
-          </a:xfrm>
-          <a:prstGeom prst="straightConnector1">
-            <a:avLst/>
-          </a:prstGeom>
-          <a:ln w="12700">
-            <a:solidFill>
-              <a:schemeClr val="accent5">
-                <a:lumMod val="50000"/>
-              </a:schemeClr>
-            </a:solidFill>
-            <a:tailEnd type="stealth" w="med" len="lg"/>
-          </a:ln>
-        </p:spPr>
-        <p:style>
-          <a:lnRef idx="1">
-            <a:schemeClr val="accent1"/>
-          </a:lnRef>
-          <a:fillRef idx="0">
-            <a:schemeClr val="accent1"/>
-          </a:fillRef>
-          <a:effectRef idx="0">
-            <a:schemeClr val="accent1"/>
-          </a:effectRef>
-          <a:fontRef idx="minor">
-            <a:schemeClr val="tx1"/>
-          </a:fontRef>
-        </p:style>
-      </p:cxnSp>
-      <p:cxnSp>
-        <p:nvCxnSpPr>
-          <p:cNvPr id="89" name="Connecteur droit avec flèche 88"/>
-          <p:cNvCxnSpPr/>
-          <p:nvPr/>
-        </p:nvCxnSpPr>
-        <p:spPr>
-          <a:xfrm>
-            <a:off x="6393508" y="5949280"/>
-            <a:ext cx="1951678" cy="0"/>
-          </a:xfrm>
-          <a:prstGeom prst="straightConnector1">
-            <a:avLst/>
-          </a:prstGeom>
-          <a:ln w="12700">
-            <a:solidFill>
-              <a:schemeClr val="accent5">
-                <a:lumMod val="50000"/>
-              </a:schemeClr>
-            </a:solidFill>
-            <a:tailEnd type="stealth" w="med" len="lg"/>
-          </a:ln>
-        </p:spPr>
-        <p:style>
-          <a:lnRef idx="1">
-            <a:schemeClr val="accent1"/>
-          </a:lnRef>
-          <a:fillRef idx="0">
-            <a:schemeClr val="accent1"/>
-          </a:fillRef>
-          <a:effectRef idx="0">
-            <a:schemeClr val="accent1"/>
-          </a:effectRef>
-          <a:fontRef idx="minor">
-            <a:schemeClr val="tx1"/>
-          </a:fontRef>
-        </p:style>
-      </p:cxnSp>
       <p:sp>
         <p:nvSpPr>
           <p:cNvPr id="90" name="Rectangle 89"/>
@@ -7313,8 +6979,8 @@
           <a:noFill/>
         </p:spPr>
       </p:pic>
-      <mc:AlternateContent xmlns:mc="http://schemas.openxmlformats.org/markup-compatibility/2006">
-        <mc:Choice xmlns:a14="http://schemas.microsoft.com/office/drawing/2010/main" Requires="a14">
+      <mc:AlternateContent xmlns:mc="http://schemas.openxmlformats.org/markup-compatibility/2006" xmlns:a14="http://schemas.microsoft.com/office/drawing/2010/main">
+        <mc:Choice Requires="a14">
           <p:sp>
             <p:nvSpPr>
               <p:cNvPr id="2" name="Rectangle 1"/>
@@ -7349,11 +7015,15 @@
                 <a14:m>
                   <m:oMath xmlns:m="http://schemas.openxmlformats.org/officeDocument/2006/math">
                     <m:r>
-                      <a:rPr lang="fr-FR" sz="900" i="1"/>
+                      <a:rPr lang="fr-FR" sz="900" i="1">
+                        <a:latin typeface="Cambria Math"/>
+                      </a:rPr>
                       <m:t> </m:t>
                     </m:r>
                     <m:r>
-                      <a:rPr lang="fr-FR" sz="900" i="1"/>
+                      <a:rPr lang="fr-FR" sz="900" i="1">
+                        <a:latin typeface="Cambria Math"/>
+                      </a:rPr>
                       <m:t>𝑂𝐴𝐵</m:t>
                     </m:r>
                   </m:oMath>
@@ -7372,66 +7042,88 @@
                       <m:accPr>
                         <m:chr m:val="⃗"/>
                         <m:ctrlPr>
-                          <a:rPr lang="fr-FR" sz="900" i="1"/>
+                          <a:rPr lang="fr-FR" sz="900" i="1">
+                            <a:latin typeface="Cambria Math"/>
+                          </a:rPr>
                         </m:ctrlPr>
                       </m:accPr>
                       <m:e>
                         <m:r>
-                          <a:rPr lang="fr-FR" sz="900" i="1"/>
+                          <a:rPr lang="fr-FR" sz="900" i="1">
+                            <a:latin typeface="Cambria Math"/>
+                          </a:rPr>
                           <m:t>𝑂𝐴</m:t>
                         </m:r>
                       </m:e>
                     </m:acc>
                     <m:r>
-                      <a:rPr lang="fr-FR" sz="900" i="1"/>
+                      <a:rPr lang="fr-FR" sz="900" i="1">
+                        <a:latin typeface="Cambria Math"/>
+                      </a:rPr>
                       <m:t>+</m:t>
                     </m:r>
                     <m:acc>
                       <m:accPr>
                         <m:chr m:val="⃗"/>
                         <m:ctrlPr>
-                          <a:rPr lang="fr-FR" sz="900" i="1"/>
+                          <a:rPr lang="fr-FR" sz="900" i="1">
+                            <a:latin typeface="Cambria Math"/>
+                          </a:rPr>
                         </m:ctrlPr>
                       </m:accPr>
                       <m:e>
                         <m:r>
-                          <a:rPr lang="fr-FR" sz="900" i="1"/>
+                          <a:rPr lang="fr-FR" sz="900" i="1">
+                            <a:latin typeface="Cambria Math"/>
+                          </a:rPr>
                           <m:t>𝐴𝐵</m:t>
                         </m:r>
                       </m:e>
                     </m:acc>
                     <m:r>
-                      <a:rPr lang="fr-FR" sz="900" i="1"/>
+                      <a:rPr lang="fr-FR" sz="900" i="1">
+                        <a:latin typeface="Cambria Math"/>
+                      </a:rPr>
                       <m:t>+</m:t>
                     </m:r>
                     <m:acc>
                       <m:accPr>
                         <m:chr m:val="⃗"/>
                         <m:ctrlPr>
-                          <a:rPr lang="fr-FR" sz="900" i="1"/>
+                          <a:rPr lang="fr-FR" sz="900" i="1">
+                            <a:latin typeface="Cambria Math"/>
+                          </a:rPr>
                         </m:ctrlPr>
                       </m:accPr>
                       <m:e>
                         <m:r>
-                          <a:rPr lang="fr-FR" sz="900" i="1"/>
+                          <a:rPr lang="fr-FR" sz="900" i="1">
+                            <a:latin typeface="Cambria Math"/>
+                          </a:rPr>
                           <m:t>𝐵𝑂</m:t>
                         </m:r>
                       </m:e>
                     </m:acc>
                     <m:r>
-                      <a:rPr lang="fr-FR" sz="900" i="1"/>
+                      <a:rPr lang="fr-FR" sz="900" i="1">
+                        <a:latin typeface="Cambria Math"/>
+                      </a:rPr>
                       <m:t>=</m:t>
                     </m:r>
                     <m:acc>
                       <m:accPr>
                         <m:chr m:val="⃗"/>
                         <m:ctrlPr>
-                          <a:rPr lang="fr-FR" sz="900" i="1"/>
+                          <a:rPr lang="fr-FR" sz="900" i="1">
+                            <a:latin typeface="Cambria Math"/>
+                          </a:rPr>
                         </m:ctrlPr>
                       </m:accPr>
                       <m:e>
                         <m:r>
-                          <a:rPr lang="fr-FR" sz="900" i="1"/>
+                          <a:rPr lang="fr-FR" sz="900" i="1">
+                            <a:latin typeface="Cambria Math"/>
+                          </a:rPr>
                           <m:t>0</m:t>
                         </m:r>
                       </m:e>
@@ -7461,25 +7153,33 @@
                       <m:accPr>
                         <m:chr m:val="⃗"/>
                         <m:ctrlPr>
-                          <a:rPr lang="fr-FR" sz="900" i="1"/>
+                          <a:rPr lang="fr-FR" sz="900" i="1">
+                            <a:latin typeface="Cambria Math"/>
+                          </a:rPr>
                         </m:ctrlPr>
                       </m:accPr>
                       <m:e>
                         <m:sSub>
                           <m:sSubPr>
                             <m:ctrlPr>
-                              <a:rPr lang="fr-FR" sz="900" i="1"/>
+                              <a:rPr lang="fr-FR" sz="900" i="1">
+                                <a:latin typeface="Cambria Math"/>
+                              </a:rPr>
                             </m:ctrlPr>
                           </m:sSubPr>
                           <m:e>
                             <m:r>
-                              <a:rPr lang="fr-FR" sz="900" i="1"/>
+                              <a:rPr lang="fr-FR" sz="900" i="1">
+                                <a:latin typeface="Cambria Math"/>
+                              </a:rPr>
                               <m:t>𝑦</m:t>
                             </m:r>
                           </m:e>
                           <m:sub>
                             <m:r>
-                              <a:rPr lang="fr-FR" sz="900" i="1"/>
+                              <a:rPr lang="fr-FR" sz="900" i="1">
+                                <a:latin typeface="Cambria Math"/>
+                              </a:rPr>
                               <m:t>0</m:t>
                             </m:r>
                           </m:sub>
@@ -7498,25 +7198,33 @@
                       <m:accPr>
                         <m:chr m:val="⃗"/>
                         <m:ctrlPr>
-                          <a:rPr lang="fr-FR" sz="900" i="1"/>
+                          <a:rPr lang="fr-FR" sz="900" i="1">
+                            <a:latin typeface="Cambria Math"/>
+                          </a:rPr>
                         </m:ctrlPr>
                       </m:accPr>
                       <m:e>
                         <m:sSub>
                           <m:sSubPr>
                             <m:ctrlPr>
-                              <a:rPr lang="fr-FR" sz="900" i="1"/>
+                              <a:rPr lang="fr-FR" sz="900" i="1">
+                                <a:latin typeface="Cambria Math"/>
+                              </a:rPr>
                             </m:ctrlPr>
                           </m:sSubPr>
                           <m:e>
                             <m:r>
-                              <a:rPr lang="fr-FR" sz="900" i="1"/>
+                              <a:rPr lang="fr-FR" sz="900" i="1">
+                                <a:latin typeface="Cambria Math"/>
+                              </a:rPr>
                               <m:t>𝑧</m:t>
                             </m:r>
                           </m:e>
                           <m:sub>
                             <m:r>
-                              <a:rPr lang="fr-FR" sz="900" i="1"/>
+                              <a:rPr lang="fr-FR" sz="900" i="1">
+                                <a:latin typeface="Cambria Math"/>
+                              </a:rPr>
                               <m:t>0</m:t>
                             </m:r>
                           </m:sub>
@@ -7524,7 +7232,9 @@
                       </m:e>
                     </m:acc>
                     <m:r>
-                      <a:rPr lang="fr-FR" sz="900" i="1"/>
+                      <a:rPr lang="fr-FR" sz="900" i="1">
+                        <a:latin typeface="Cambria Math"/>
+                      </a:rPr>
                       <m:t> </m:t>
                     </m:r>
                     <m:r>
@@ -7572,7 +7282,9 @@
                 <a14:m>
                   <m:oMath xmlns:m="http://schemas.openxmlformats.org/officeDocument/2006/math">
                     <m:r>
-                      <a:rPr lang="fr-FR" sz="900" i="1"/>
+                      <a:rPr lang="fr-FR" sz="900" i="1">
+                        <a:latin typeface="Cambria Math"/>
+                      </a:rPr>
                       <m:t>𝛽</m:t>
                     </m:r>
                   </m:oMath>
@@ -7584,7 +7296,9 @@
                 <a14:m>
                   <m:oMath xmlns:m="http://schemas.openxmlformats.org/officeDocument/2006/math">
                     <m:r>
-                      <a:rPr lang="fr-FR" sz="900" i="1"/>
+                      <a:rPr lang="fr-FR" sz="900" i="1">
+                        <a:latin typeface="Cambria Math"/>
+                      </a:rPr>
                       <m:t>𝛼</m:t>
                     </m:r>
                   </m:oMath>
@@ -7595,6 +7309,7 @@
                 </a:r>
               </a:p>
               <a:p>
+                <a:pPr/>
                 <a14:m>
                   <m:oMathPara xmlns:m="http://schemas.openxmlformats.org/officeDocument/2006/math">
                     <m:oMathParaPr>
@@ -7604,7 +7319,9 @@
                       <m:func>
                         <m:funcPr>
                           <m:ctrlPr>
-                            <a:rPr lang="fr-FR" sz="900" i="1"/>
+                            <a:rPr lang="fr-FR" sz="900" i="1">
+                              <a:latin typeface="Cambria Math"/>
+                            </a:rPr>
                           </m:ctrlPr>
                         </m:funcPr>
                         <m:fName>
@@ -7612,7 +7329,9 @@
                             <m:rPr>
                               <m:sty m:val="p"/>
                             </m:rPr>
-                            <a:rPr lang="fr-FR" sz="900"/>
+                            <a:rPr lang="fr-FR" sz="900">
+                              <a:latin typeface="Cambria Math"/>
+                            </a:rPr>
                             <m:t>tan</m:t>
                           </m:r>
                         </m:fName>
@@ -7621,19 +7340,25 @@
                             <m:rPr>
                               <m:sty m:val="p"/>
                             </m:rPr>
-                            <a:rPr lang="fr-FR" sz="900"/>
+                            <a:rPr lang="fr-FR" sz="900">
+                              <a:latin typeface="Cambria Math"/>
+                            </a:rPr>
                             <m:t>β</m:t>
                           </m:r>
                         </m:e>
                       </m:func>
                       <m:r>
-                        <a:rPr lang="fr-FR" sz="900"/>
+                        <a:rPr lang="fr-FR" sz="900">
+                          <a:latin typeface="Cambria Math"/>
+                        </a:rPr>
                         <m:t>=</m:t>
                       </m:r>
                       <m:f>
                         <m:fPr>
                           <m:ctrlPr>
-                            <a:rPr lang="fr-FR" sz="900" i="1"/>
+                            <a:rPr lang="fr-FR" sz="900" i="1">
+                              <a:latin typeface="Cambria Math"/>
+                            </a:rPr>
                           </m:ctrlPr>
                         </m:fPr>
                         <m:num>
@@ -7641,13 +7366,17 @@
                             <m:rPr>
                               <m:sty m:val="p"/>
                             </m:rPr>
-                            <a:rPr lang="fr-FR" sz="900"/>
+                            <a:rPr lang="fr-FR" sz="900">
+                              <a:latin typeface="Cambria Math"/>
+                            </a:rPr>
                             <m:t>R</m:t>
                           </m:r>
                           <m:func>
                             <m:funcPr>
                               <m:ctrlPr>
-                                <a:rPr lang="fr-FR" sz="900" i="1"/>
+                                <a:rPr lang="fr-FR" sz="900" i="1">
+                                  <a:latin typeface="Cambria Math"/>
+                                </a:rPr>
                               </m:ctrlPr>
                             </m:funcPr>
                             <m:fName>
@@ -7655,7 +7384,9 @@
                                 <m:rPr>
                                   <m:sty m:val="p"/>
                                 </m:rPr>
-                                <a:rPr lang="fr-FR" sz="900"/>
+                                <a:rPr lang="fr-FR" sz="900">
+                                  <a:latin typeface="Cambria Math"/>
+                                </a:rPr>
                                 <m:t>sin</m:t>
                               </m:r>
                             </m:fName>
@@ -7664,20 +7395,26 @@
                                 <m:rPr>
                                   <m:sty m:val="p"/>
                                 </m:rPr>
-                                <a:rPr lang="fr-FR" sz="900"/>
+                                <a:rPr lang="fr-FR" sz="900">
+                                  <a:latin typeface="Cambria Math"/>
+                                </a:rPr>
                                 <m:t>α</m:t>
                               </m:r>
                             </m:e>
                           </m:func>
                           <m:r>
-                            <a:rPr lang="fr-FR" sz="900"/>
+                            <a:rPr lang="fr-FR" sz="900">
+                              <a:latin typeface="Cambria Math"/>
+                            </a:rPr>
                             <m:t>+</m:t>
                           </m:r>
                           <m:r>
                             <m:rPr>
                               <m:sty m:val="p"/>
                             </m:rPr>
-                            <a:rPr lang="fr-FR" sz="900"/>
+                            <a:rPr lang="fr-FR" sz="900">
+                              <a:latin typeface="Cambria Math"/>
+                            </a:rPr>
                             <m:t>L</m:t>
                           </m:r>
                         </m:num>
@@ -7686,13 +7423,17 @@
                             <m:rPr>
                               <m:sty m:val="p"/>
                             </m:rPr>
-                            <a:rPr lang="fr-FR" sz="900"/>
+                            <a:rPr lang="fr-FR" sz="900">
+                              <a:latin typeface="Cambria Math"/>
+                            </a:rPr>
                             <m:t>R</m:t>
                           </m:r>
                           <m:func>
                             <m:funcPr>
                               <m:ctrlPr>
-                                <a:rPr lang="fr-FR" sz="900" i="1"/>
+                                <a:rPr lang="fr-FR" sz="900" i="1">
+                                  <a:latin typeface="Cambria Math"/>
+                                </a:rPr>
                               </m:ctrlPr>
                             </m:funcPr>
                             <m:fName>
@@ -7700,7 +7441,9 @@
                                 <m:rPr>
                                   <m:sty m:val="p"/>
                                 </m:rPr>
-                                <a:rPr lang="fr-FR" sz="900"/>
+                                <a:rPr lang="fr-FR" sz="900">
+                                  <a:latin typeface="Cambria Math"/>
+                                </a:rPr>
                                 <m:t>cos</m:t>
                               </m:r>
                             </m:fName>
@@ -7709,7 +7452,9 @@
                                 <m:rPr>
                                   <m:sty m:val="p"/>
                                 </m:rPr>
-                                <a:rPr lang="fr-FR" sz="900"/>
+                                <a:rPr lang="fr-FR" sz="900">
+                                  <a:latin typeface="Cambria Math"/>
+                                </a:rPr>
                                 <m:t>α</m:t>
                               </m:r>
                             </m:e>
@@ -7724,7 +7469,7 @@
             </p:txBody>
           </p:sp>
         </mc:Choice>
-        <mc:Fallback>
+        <mc:Fallback xmlns="">
           <p:sp>
             <p:nvSpPr>
               <p:cNvPr id="2" name="Rectangle 1"/>
@@ -7854,8 +7599,8 @@
           </a:fontRef>
         </p:style>
       </p:cxnSp>
-      <mc:AlternateContent xmlns:mc="http://schemas.openxmlformats.org/markup-compatibility/2006">
-        <mc:Choice xmlns:a14="http://schemas.microsoft.com/office/drawing/2010/main" Requires="a14">
+      <mc:AlternateContent xmlns:mc="http://schemas.openxmlformats.org/markup-compatibility/2006" xmlns:a14="http://schemas.microsoft.com/office/drawing/2010/main">
+        <mc:Choice Requires="a14">
           <p:sp>
             <p:nvSpPr>
               <p:cNvPr id="18" name="Rectangle 17"/>
@@ -7890,49 +7635,67 @@
                     <m:sSub>
                       <m:sSubPr>
                         <m:ctrlPr>
-                          <a:rPr lang="fr-FR" sz="700" i="1"/>
+                          <a:rPr lang="fr-FR" sz="700" i="1">
+                            <a:latin typeface="Cambria Math"/>
+                          </a:rPr>
                         </m:ctrlPr>
                       </m:sSubPr>
                       <m:e>
                         <m:r>
-                          <a:rPr lang="fr-FR" sz="700" i="1"/>
+                          <a:rPr lang="fr-FR" sz="700" i="1">
+                            <a:latin typeface="Cambria Math"/>
+                          </a:rPr>
                           <m:t>𝛼</m:t>
                         </m:r>
                       </m:e>
                       <m:sub>
                         <m:r>
-                          <a:rPr lang="fr-FR" sz="700" i="1"/>
+                          <a:rPr lang="fr-FR" sz="700" i="1">
+                            <a:latin typeface="Cambria Math"/>
+                          </a:rPr>
                           <m:t>𝑚</m:t>
                         </m:r>
                       </m:sub>
                     </m:sSub>
                     <m:r>
-                      <a:rPr lang="fr-FR" sz="700" i="1"/>
+                      <a:rPr lang="fr-FR" sz="700" i="1">
+                        <a:latin typeface="Cambria Math"/>
+                      </a:rPr>
                       <m:t>=30 </m:t>
                     </m:r>
                     <m:r>
-                      <a:rPr lang="fr-FR" sz="700" i="1"/>
+                      <a:rPr lang="fr-FR" sz="700" i="1">
+                        <a:latin typeface="Cambria Math"/>
+                      </a:rPr>
                       <m:t>𝑟𝑎𝑑</m:t>
                     </m:r>
                     <m:r>
-                      <a:rPr lang="fr-FR" sz="700" i="1"/>
+                      <a:rPr lang="fr-FR" sz="700" i="1">
+                        <a:latin typeface="Cambria Math"/>
+                      </a:rPr>
                       <m:t>⋅</m:t>
                     </m:r>
                     <m:sSup>
                       <m:sSupPr>
                         <m:ctrlPr>
-                          <a:rPr lang="fr-FR" sz="700" i="1"/>
+                          <a:rPr lang="fr-FR" sz="700" i="1">
+                            <a:latin typeface="Cambria Math"/>
+                          </a:rPr>
                         </m:ctrlPr>
                       </m:sSupPr>
                       <m:e>
                         <m:r>
-                          <a:rPr lang="fr-FR" sz="700" i="1"/>
+                          <a:rPr lang="fr-FR" sz="700" i="1">
+                            <a:latin typeface="Cambria Math"/>
+                          </a:rPr>
                           <m:t>𝑠</m:t>
                         </m:r>
                       </m:e>
                       <m:sup>
                         <m:r>
-                          <a:rPr lang="fr-FR" sz="700" i="1"/>
+                          <a:rPr lang="fr-FR" sz="700" i="1">
+                            <a:latin typeface="Cambria Math"/>
+                          </a:rPr>
                           <m:t>−2</m:t>
                         </m:r>
                       </m:sup>
@@ -7943,7 +7706,6 @@
                   <a:rPr lang="fr-FR" sz="700" dirty="0"/>
                   <a:t>.</a:t>
                 </a:r>
-                <a:endParaRPr lang="fr-FR" sz="700" dirty="0"/>
               </a:p>
               <a:p>
                 <a:pPr marL="171450" indent="-171450" algn="just">
@@ -7969,48 +7731,64 @@
                     <m:sSub>
                       <m:sSubPr>
                         <m:ctrlPr>
-                          <a:rPr lang="fr-FR" sz="700" i="1"/>
+                          <a:rPr lang="fr-FR" sz="700" i="1">
+                            <a:latin typeface="Cambria Math"/>
+                          </a:rPr>
                         </m:ctrlPr>
                       </m:sSubPr>
                       <m:e>
                         <m:r>
-                          <a:rPr lang="fr-FR" sz="700" i="1"/>
+                          <a:rPr lang="fr-FR" sz="700" i="1">
+                            <a:latin typeface="Cambria Math"/>
+                          </a:rPr>
                           <m:t>𝑇</m:t>
                         </m:r>
                       </m:e>
                       <m:sub>
                         <m:r>
-                          <a:rPr lang="fr-FR" sz="700" i="1"/>
+                          <a:rPr lang="fr-FR" sz="700" i="1">
+                            <a:latin typeface="Cambria Math"/>
+                          </a:rPr>
                           <m:t>𝑎</m:t>
                         </m:r>
                       </m:sub>
                     </m:sSub>
                     <m:r>
-                      <a:rPr lang="fr-FR" sz="700" i="1"/>
+                      <a:rPr lang="fr-FR" sz="700" i="1">
+                        <a:latin typeface="Cambria Math"/>
+                      </a:rPr>
                       <m:t>=</m:t>
                     </m:r>
                     <m:f>
                       <m:fPr>
                         <m:ctrlPr>
-                          <a:rPr lang="fr-FR" sz="700" i="1"/>
+                          <a:rPr lang="fr-FR" sz="700" i="1">
+                            <a:latin typeface="Cambria Math"/>
+                          </a:rPr>
                         </m:ctrlPr>
                       </m:fPr>
                       <m:num>
                         <m:sSub>
                           <m:sSubPr>
                             <m:ctrlPr>
-                              <a:rPr lang="fr-FR" sz="700" i="1"/>
+                              <a:rPr lang="fr-FR" sz="700" i="1">
+                                <a:latin typeface="Cambria Math"/>
+                              </a:rPr>
                             </m:ctrlPr>
                           </m:sSubPr>
                           <m:e>
                             <m:r>
-                              <a:rPr lang="fr-FR" sz="700" i="1"/>
+                              <a:rPr lang="fr-FR" sz="700" i="1">
+                                <a:latin typeface="Cambria Math"/>
+                              </a:rPr>
                               <m:t>𝜔</m:t>
                             </m:r>
                           </m:e>
                           <m:sub>
                             <m:r>
-                              <a:rPr lang="fr-FR" sz="700" i="1"/>
+                              <a:rPr lang="fr-FR" sz="700" i="1">
+                                <a:latin typeface="Cambria Math"/>
+                              </a:rPr>
                               <m:t>𝑐</m:t>
                             </m:r>
                           </m:sub>
@@ -8020,18 +7798,24 @@
                         <m:sSub>
                           <m:sSubPr>
                             <m:ctrlPr>
-                              <a:rPr lang="fr-FR" sz="700" i="1"/>
+                              <a:rPr lang="fr-FR" sz="700" i="1">
+                                <a:latin typeface="Cambria Math"/>
+                              </a:rPr>
                             </m:ctrlPr>
                           </m:sSubPr>
                           <m:e>
                             <m:r>
-                              <a:rPr lang="fr-FR" sz="700" i="1"/>
+                              <a:rPr lang="fr-FR" sz="700" i="1">
+                                <a:latin typeface="Cambria Math"/>
+                              </a:rPr>
                               <m:t>𝛼</m:t>
                             </m:r>
                           </m:e>
                           <m:sub>
                             <m:r>
-                              <a:rPr lang="fr-FR" sz="700" i="1"/>
+                              <a:rPr lang="fr-FR" sz="700" i="1">
+                                <a:latin typeface="Cambria Math"/>
+                              </a:rPr>
                               <m:t>𝑚</m:t>
                             </m:r>
                           </m:sub>
@@ -8081,54 +7865,72 @@
                 <a14:m>
                   <m:oMath xmlns:m="http://schemas.openxmlformats.org/officeDocument/2006/math">
                     <m:r>
-                      <a:rPr lang="fr-FR" sz="700" i="1"/>
+                      <a:rPr lang="fr-FR" sz="700" i="1">
+                        <a:latin typeface="Cambria Math"/>
+                      </a:rPr>
                       <m:t> </m:t>
                     </m:r>
                     <m:sSub>
                       <m:sSubPr>
                         <m:ctrlPr>
-                          <a:rPr lang="fr-FR" sz="700" i="1"/>
+                          <a:rPr lang="fr-FR" sz="700" i="1">
+                            <a:latin typeface="Cambria Math"/>
+                          </a:rPr>
                         </m:ctrlPr>
                       </m:sSubPr>
                       <m:e>
                         <m:r>
-                          <a:rPr lang="fr-FR" sz="700" i="1"/>
+                          <a:rPr lang="fr-FR" sz="700" i="1">
+                            <a:latin typeface="Cambria Math"/>
+                          </a:rPr>
                           <m:t>𝑇</m:t>
                         </m:r>
                       </m:e>
                       <m:sub>
                         <m:r>
-                          <a:rPr lang="fr-FR" sz="700" i="1"/>
+                          <a:rPr lang="fr-FR" sz="700" i="1">
+                            <a:latin typeface="Cambria Math"/>
+                          </a:rPr>
                           <m:t>𝑐</m:t>
                         </m:r>
                       </m:sub>
                     </m:sSub>
                     <m:r>
-                      <a:rPr lang="fr-FR" sz="700" i="1"/>
+                      <a:rPr lang="fr-FR" sz="700" i="1">
+                        <a:latin typeface="Cambria Math"/>
+                      </a:rPr>
                       <m:t>=</m:t>
                     </m:r>
                     <m:f>
                       <m:fPr>
                         <m:ctrlPr>
-                          <a:rPr lang="fr-FR" sz="700" i="1"/>
+                          <a:rPr lang="fr-FR" sz="700" i="1">
+                            <a:latin typeface="Cambria Math"/>
+                          </a:rPr>
                         </m:ctrlPr>
                       </m:fPr>
                       <m:num>
                         <m:sSub>
                           <m:sSubPr>
                             <m:ctrlPr>
-                              <a:rPr lang="fr-FR" sz="700" i="1"/>
+                              <a:rPr lang="fr-FR" sz="700" i="1">
+                                <a:latin typeface="Cambria Math"/>
+                              </a:rPr>
                             </m:ctrlPr>
                           </m:sSubPr>
                           <m:e>
                             <m:r>
-                              <a:rPr lang="fr-FR" sz="700" i="1"/>
+                              <a:rPr lang="fr-FR" sz="700" i="1">
+                                <a:latin typeface="Cambria Math"/>
+                              </a:rPr>
                               <m:t>𝜃</m:t>
                             </m:r>
                           </m:e>
                           <m:sub>
                             <m:r>
-                              <a:rPr lang="fr-FR" sz="700" i="1"/>
+                              <a:rPr lang="fr-FR" sz="700" i="1">
+                                <a:latin typeface="Cambria Math"/>
+                              </a:rPr>
                               <m:t>𝐶</m:t>
                             </m:r>
                           </m:sub>
@@ -8138,18 +7940,24 @@
                         <m:sSub>
                           <m:sSubPr>
                             <m:ctrlPr>
-                              <a:rPr lang="fr-FR" sz="700" i="1"/>
+                              <a:rPr lang="fr-FR" sz="700" i="1">
+                                <a:latin typeface="Cambria Math"/>
+                              </a:rPr>
                             </m:ctrlPr>
                           </m:sSubPr>
                           <m:e>
                             <m:r>
-                              <a:rPr lang="fr-FR" sz="700" i="1"/>
+                              <a:rPr lang="fr-FR" sz="700" i="1">
+                                <a:latin typeface="Cambria Math"/>
+                              </a:rPr>
                               <m:t>𝜔</m:t>
                             </m:r>
                           </m:e>
                           <m:sub>
                             <m:r>
-                              <a:rPr lang="fr-FR" sz="700" i="1"/>
+                              <a:rPr lang="fr-FR" sz="700" i="1">
+                                <a:latin typeface="Cambria Math"/>
+                              </a:rPr>
                               <m:t>𝑐</m:t>
                             </m:r>
                           </m:sub>
@@ -8157,7 +7965,9 @@
                       </m:den>
                     </m:f>
                     <m:r>
-                      <a:rPr lang="fr-FR" sz="700" i="1"/>
+                      <a:rPr lang="fr-FR" sz="700" i="1">
+                        <a:latin typeface="Cambria Math"/>
+                      </a:rPr>
                       <m:t>.</m:t>
                     </m:r>
                   </m:oMath>
@@ -8184,41 +7994,55 @@
                     <m:sSub>
                       <m:sSubPr>
                         <m:ctrlPr>
-                          <a:rPr lang="fr-FR" sz="700" i="1"/>
+                          <a:rPr lang="fr-FR" sz="700" i="1">
+                            <a:latin typeface="Cambria Math"/>
+                          </a:rPr>
                         </m:ctrlPr>
                       </m:sSubPr>
                       <m:e>
                         <m:r>
-                          <a:rPr lang="fr-FR" sz="700" i="1"/>
+                          <a:rPr lang="fr-FR" sz="700" i="1">
+                            <a:latin typeface="Cambria Math"/>
+                          </a:rPr>
                           <m:t>𝜃</m:t>
                         </m:r>
                       </m:e>
                       <m:sub>
                         <m:r>
-                          <a:rPr lang="fr-FR" sz="700" i="1"/>
+                          <a:rPr lang="fr-FR" sz="700" i="1">
+                            <a:latin typeface="Cambria Math"/>
+                          </a:rPr>
                           <m:t>𝑎</m:t>
                         </m:r>
                       </m:sub>
                     </m:sSub>
                     <m:r>
-                      <a:rPr lang="fr-FR" sz="700" i="1"/>
+                      <a:rPr lang="fr-FR" sz="700" i="1">
+                        <a:latin typeface="Cambria Math"/>
+                      </a:rPr>
                       <m:t>=</m:t>
                     </m:r>
                     <m:f>
                       <m:fPr>
                         <m:ctrlPr>
-                          <a:rPr lang="fr-FR" sz="700" i="1"/>
+                          <a:rPr lang="fr-FR" sz="700" i="1">
+                            <a:latin typeface="Cambria Math"/>
+                          </a:rPr>
                         </m:ctrlPr>
                       </m:fPr>
                       <m:num>
                         <m:r>
-                          <a:rPr lang="fr-FR" sz="700" i="1"/>
+                          <a:rPr lang="fr-FR" sz="700" i="1">
+                            <a:latin typeface="Cambria Math"/>
+                          </a:rPr>
                           <m:t>1</m:t>
                         </m:r>
                       </m:num>
                       <m:den>
                         <m:r>
-                          <a:rPr lang="fr-FR" sz="700" i="1"/>
+                          <a:rPr lang="fr-FR" sz="700" i="1">
+                            <a:latin typeface="Cambria Math"/>
+                          </a:rPr>
                           <m:t>2</m:t>
                         </m:r>
                       </m:den>
@@ -8226,18 +8050,24 @@
                     <m:sSub>
                       <m:sSubPr>
                         <m:ctrlPr>
-                          <a:rPr lang="fr-FR" sz="700" i="1"/>
+                          <a:rPr lang="fr-FR" sz="700" i="1">
+                            <a:latin typeface="Cambria Math"/>
+                          </a:rPr>
                         </m:ctrlPr>
                       </m:sSubPr>
                       <m:e>
                         <m:r>
-                          <a:rPr lang="fr-FR" sz="700" i="1"/>
+                          <a:rPr lang="fr-FR" sz="700" i="1">
+                            <a:latin typeface="Cambria Math"/>
+                          </a:rPr>
                           <m:t>𝜔</m:t>
                         </m:r>
                       </m:e>
                       <m:sub>
                         <m:r>
-                          <a:rPr lang="fr-FR" sz="700" i="1"/>
+                          <a:rPr lang="fr-FR" sz="700" i="1">
+                            <a:latin typeface="Cambria Math"/>
+                          </a:rPr>
                           <m:t>𝑐</m:t>
                         </m:r>
                       </m:sub>
@@ -8245,18 +8075,24 @@
                     <m:sSub>
                       <m:sSubPr>
                         <m:ctrlPr>
-                          <a:rPr lang="fr-FR" sz="700" i="1"/>
+                          <a:rPr lang="fr-FR" sz="700" i="1">
+                            <a:latin typeface="Cambria Math"/>
+                          </a:rPr>
                         </m:ctrlPr>
                       </m:sSubPr>
                       <m:e>
                         <m:r>
-                          <a:rPr lang="fr-FR" sz="700" i="1"/>
+                          <a:rPr lang="fr-FR" sz="700" i="1">
+                            <a:latin typeface="Cambria Math"/>
+                          </a:rPr>
                           <m:t>𝑇</m:t>
                         </m:r>
                       </m:e>
                       <m:sub>
                         <m:r>
-                          <a:rPr lang="fr-FR" sz="700" i="1"/>
+                          <a:rPr lang="fr-FR" sz="700" i="1">
+                            <a:latin typeface="Cambria Math"/>
+                          </a:rPr>
                           <m:t>𝑎</m:t>
                         </m:r>
                       </m:sub>
@@ -8287,18 +8123,24 @@
                     <m:sSub>
                       <m:sSubPr>
                         <m:ctrlPr>
-                          <a:rPr lang="fr-FR" sz="700" i="1"/>
+                          <a:rPr lang="fr-FR" sz="700" i="1">
+                            <a:latin typeface="Cambria Math"/>
+                          </a:rPr>
                         </m:ctrlPr>
                       </m:sSubPr>
                       <m:e>
                         <m:r>
-                          <a:rPr lang="fr-FR" sz="700" i="1"/>
+                          <a:rPr lang="fr-FR" sz="700" i="1">
+                            <a:latin typeface="Cambria Math"/>
+                          </a:rPr>
                           <m:t>𝑇</m:t>
                         </m:r>
                       </m:e>
                       <m:sub>
                         <m:r>
-                          <a:rPr lang="fr-FR" sz="700" i="1"/>
+                          <a:rPr lang="fr-FR" sz="700" i="1">
+                            <a:latin typeface="Cambria Math"/>
+                          </a:rPr>
                           <m:t>𝑐</m:t>
                         </m:r>
                       </m:sub>
@@ -8314,18 +8156,24 @@
                     <m:sSub>
                       <m:sSubPr>
                         <m:ctrlPr>
-                          <a:rPr lang="fr-FR" sz="700" i="1"/>
+                          <a:rPr lang="fr-FR" sz="700" i="1">
+                            <a:latin typeface="Cambria Math"/>
+                          </a:rPr>
                         </m:ctrlPr>
                       </m:sSubPr>
                       <m:e>
                         <m:r>
-                          <a:rPr lang="fr-FR" sz="700" i="1"/>
+                          <a:rPr lang="fr-FR" sz="700" i="1">
+                            <a:latin typeface="Cambria Math"/>
+                          </a:rPr>
                           <m:t>𝜔</m:t>
                         </m:r>
                       </m:e>
                       <m:sub>
                         <m:r>
-                          <a:rPr lang="fr-FR" sz="700" i="1"/>
+                          <a:rPr lang="fr-FR" sz="700" i="1">
+                            <a:latin typeface="Cambria Math"/>
+                          </a:rPr>
                           <m:t>𝑐</m:t>
                         </m:r>
                       </m:sub>
@@ -8343,7 +8191,9 @@
                         <m:begChr m:val="{"/>
                         <m:endChr m:val=""/>
                         <m:ctrlPr>
-                          <a:rPr lang="fr-FR" sz="700" i="1"/>
+                          <a:rPr lang="fr-FR" sz="700" i="1">
+                            <a:latin typeface="Cambria Math"/>
+                          </a:rPr>
                         </m:ctrlPr>
                       </m:dPr>
                       <m:e>
@@ -8358,7 +8208,9 @@
                               </m:mc>
                             </m:mcs>
                             <m:ctrlPr>
-                              <a:rPr lang="fr-FR" sz="700" i="1"/>
+                              <a:rPr lang="fr-FR" sz="700" i="1">
+                                <a:latin typeface="Cambria Math"/>
+                              </a:rPr>
                             </m:ctrlPr>
                           </m:mPr>
                           <m:mr>
@@ -8366,68 +8218,92 @@
                               <m:sSub>
                                 <m:sSubPr>
                                   <m:ctrlPr>
-                                    <a:rPr lang="fr-FR" sz="700" i="1"/>
+                                    <a:rPr lang="fr-FR" sz="700" i="1">
+                                      <a:latin typeface="Cambria Math"/>
+                                    </a:rPr>
                                   </m:ctrlPr>
                                 </m:sSubPr>
                                 <m:e>
                                   <m:r>
-                                    <a:rPr lang="fr-FR" sz="700" i="1"/>
+                                    <a:rPr lang="fr-FR" sz="700" i="1">
+                                      <a:latin typeface="Cambria Math"/>
+                                    </a:rPr>
                                     <m:t>𝜃</m:t>
                                   </m:r>
                                 </m:e>
                                 <m:sub>
                                   <m:r>
-                                    <a:rPr lang="fr-FR" sz="700" i="1"/>
+                                    <a:rPr lang="fr-FR" sz="700" i="1">
+                                      <a:latin typeface="Cambria Math"/>
+                                    </a:rPr>
                                     <m:t>𝑡</m:t>
                                   </m:r>
                                 </m:sub>
                               </m:sSub>
                               <m:r>
-                                <a:rPr lang="fr-FR" sz="700" i="1"/>
+                                <a:rPr lang="fr-FR" sz="700" i="1">
+                                  <a:latin typeface="Cambria Math"/>
+                                </a:rPr>
                                 <m:t>=</m:t>
                               </m:r>
                               <m:sSub>
                                 <m:sSubPr>
                                   <m:ctrlPr>
-                                    <a:rPr lang="fr-FR" sz="700" i="1"/>
+                                    <a:rPr lang="fr-FR" sz="700" i="1">
+                                      <a:latin typeface="Cambria Math"/>
+                                    </a:rPr>
                                   </m:ctrlPr>
                                 </m:sSubPr>
                                 <m:e>
                                   <m:r>
-                                    <a:rPr lang="fr-FR" sz="700" i="1"/>
+                                    <a:rPr lang="fr-FR" sz="700" i="1">
+                                      <a:latin typeface="Cambria Math"/>
+                                    </a:rPr>
                                     <m:t>2</m:t>
                                   </m:r>
                                   <m:r>
-                                    <a:rPr lang="fr-FR" sz="700" i="1"/>
+                                    <a:rPr lang="fr-FR" sz="700" i="1">
+                                      <a:latin typeface="Cambria Math"/>
+                                    </a:rPr>
                                     <m:t>𝜃</m:t>
                                   </m:r>
                                 </m:e>
                                 <m:sub>
                                   <m:r>
-                                    <a:rPr lang="fr-FR" sz="700" i="1"/>
+                                    <a:rPr lang="fr-FR" sz="700" i="1">
+                                      <a:latin typeface="Cambria Math"/>
+                                    </a:rPr>
                                     <m:t>𝑎</m:t>
                                   </m:r>
                                 </m:sub>
                               </m:sSub>
                               <m:r>
-                                <a:rPr lang="fr-FR" sz="700" i="1"/>
+                                <a:rPr lang="fr-FR" sz="700" i="1">
+                                  <a:latin typeface="Cambria Math"/>
+                                </a:rPr>
                                 <m:t>+</m:t>
                               </m:r>
                               <m:sSub>
                                 <m:sSubPr>
                                   <m:ctrlPr>
-                                    <a:rPr lang="fr-FR" sz="700" i="1" smtClean="0"/>
+                                    <a:rPr lang="fr-FR" sz="700" i="1" smtClean="0">
+                                      <a:latin typeface="Cambria Math"/>
+                                    </a:rPr>
                                   </m:ctrlPr>
                                 </m:sSubPr>
                                 <m:e>
                                   <m:r>
-                                    <a:rPr lang="fr-FR" sz="700" i="1"/>
+                                    <a:rPr lang="fr-FR" sz="700" i="1">
+                                      <a:latin typeface="Cambria Math"/>
+                                    </a:rPr>
                                     <m:t>𝜃</m:t>
                                   </m:r>
                                 </m:e>
                                 <m:sub>
                                   <m:r>
-                                    <a:rPr lang="fr-FR" sz="700" i="1"/>
+                                    <a:rPr lang="fr-FR" sz="700" i="1">
+                                      <a:latin typeface="Cambria Math"/>
+                                    </a:rPr>
                                     <m:t>𝐶</m:t>
                                   </m:r>
                                 </m:sub>
@@ -8439,68 +8315,92 @@
                               <m:sSub>
                                 <m:sSubPr>
                                   <m:ctrlPr>
-                                    <a:rPr lang="fr-FR" sz="700" i="1"/>
+                                    <a:rPr lang="fr-FR" sz="700" i="1">
+                                      <a:latin typeface="Cambria Math"/>
+                                    </a:rPr>
                                   </m:ctrlPr>
                                 </m:sSubPr>
                                 <m:e>
                                   <m:r>
-                                    <a:rPr lang="fr-FR" sz="700" i="1"/>
+                                    <a:rPr lang="fr-FR" sz="700" i="1">
+                                      <a:latin typeface="Cambria Math"/>
+                                    </a:rPr>
                                     <m:t>𝑇</m:t>
                                   </m:r>
                                 </m:e>
                                 <m:sub>
                                   <m:r>
-                                    <a:rPr lang="fr-FR" sz="700" i="1"/>
+                                    <a:rPr lang="fr-FR" sz="700" i="1">
+                                      <a:latin typeface="Cambria Math"/>
+                                    </a:rPr>
                                     <m:t>𝑡</m:t>
                                   </m:r>
                                 </m:sub>
                               </m:sSub>
                               <m:r>
-                                <a:rPr lang="fr-FR" sz="700" i="1"/>
+                                <a:rPr lang="fr-FR" sz="700" i="1">
+                                  <a:latin typeface="Cambria Math"/>
+                                </a:rPr>
                                 <m:t>=</m:t>
                               </m:r>
                               <m:sSub>
                                 <m:sSubPr>
                                   <m:ctrlPr>
-                                    <a:rPr lang="fr-FR" sz="700" i="1"/>
+                                    <a:rPr lang="fr-FR" sz="700" i="1">
+                                      <a:latin typeface="Cambria Math"/>
+                                    </a:rPr>
                                   </m:ctrlPr>
                                 </m:sSubPr>
                                 <m:e>
                                   <m:r>
-                                    <a:rPr lang="fr-FR" sz="700" i="1"/>
+                                    <a:rPr lang="fr-FR" sz="700" i="1">
+                                      <a:latin typeface="Cambria Math"/>
+                                    </a:rPr>
                                     <m:t>2</m:t>
                                   </m:r>
                                   <m:r>
-                                    <a:rPr lang="fr-FR" sz="700" i="1"/>
+                                    <a:rPr lang="fr-FR" sz="700" i="1">
+                                      <a:latin typeface="Cambria Math"/>
+                                    </a:rPr>
                                     <m:t>𝑇</m:t>
                                   </m:r>
                                 </m:e>
                                 <m:sub>
                                   <m:r>
-                                    <a:rPr lang="fr-FR" sz="700" i="1"/>
+                                    <a:rPr lang="fr-FR" sz="700" i="1">
+                                      <a:latin typeface="Cambria Math"/>
+                                    </a:rPr>
                                     <m:t>𝑎</m:t>
                                   </m:r>
                                 </m:sub>
                               </m:sSub>
                               <m:r>
-                                <a:rPr lang="fr-FR" sz="700" i="1"/>
+                                <a:rPr lang="fr-FR" sz="700" i="1">
+                                  <a:latin typeface="Cambria Math"/>
+                                </a:rPr>
                                 <m:t>+</m:t>
                               </m:r>
                               <m:sSub>
                                 <m:sSubPr>
                                   <m:ctrlPr>
-                                    <a:rPr lang="fr-FR" sz="700" i="1"/>
+                                    <a:rPr lang="fr-FR" sz="700" i="1">
+                                      <a:latin typeface="Cambria Math"/>
+                                    </a:rPr>
                                   </m:ctrlPr>
                                 </m:sSubPr>
                                 <m:e>
                                   <m:r>
-                                    <a:rPr lang="fr-FR" sz="700" i="1"/>
+                                    <a:rPr lang="fr-FR" sz="700" i="1">
+                                      <a:latin typeface="Cambria Math"/>
+                                    </a:rPr>
                                     <m:t>𝑇</m:t>
                                   </m:r>
                                 </m:e>
                                 <m:sub>
                                   <m:r>
-                                    <a:rPr lang="fr-FR" sz="700" i="1"/>
+                                    <a:rPr lang="fr-FR" sz="700" i="1">
+                                      <a:latin typeface="Cambria Math"/>
+                                    </a:rPr>
                                     <m:t>𝑐</m:t>
                                   </m:r>
                                 </m:sub>
@@ -8532,67 +8432,93 @@
                     <m:sSub>
                       <m:sSubPr>
                         <m:ctrlPr>
-                          <a:rPr lang="fr-FR" sz="700" i="1"/>
+                          <a:rPr lang="fr-FR" sz="700" i="1">
+                            <a:latin typeface="Cambria Math"/>
+                          </a:rPr>
                         </m:ctrlPr>
                       </m:sSubPr>
                       <m:e>
                         <m:r>
-                          <a:rPr lang="fr-FR" sz="700" i="1"/>
+                          <a:rPr lang="fr-FR" sz="700" i="1">
+                            <a:latin typeface="Cambria Math"/>
+                          </a:rPr>
                           <m:t>𝜔</m:t>
                         </m:r>
                       </m:e>
                       <m:sub>
                         <m:r>
-                          <a:rPr lang="fr-FR" sz="700" i="1"/>
+                          <a:rPr lang="fr-FR" sz="700" i="1">
+                            <a:latin typeface="Cambria Math"/>
+                          </a:rPr>
                           <m:t>𝑐</m:t>
                         </m:r>
                       </m:sub>
                     </m:sSub>
                     <m:r>
-                      <a:rPr lang="fr-FR" sz="700" i="1"/>
+                      <a:rPr lang="fr-FR" sz="700" i="1">
+                        <a:latin typeface="Cambria Math"/>
+                      </a:rPr>
                       <m:t>=4,93 </m:t>
                     </m:r>
                     <m:r>
-                      <a:rPr lang="fr-FR" sz="700" i="1"/>
+                      <a:rPr lang="fr-FR" sz="700" i="1">
+                        <a:latin typeface="Cambria Math"/>
+                      </a:rPr>
                       <m:t>𝑟𝑎𝑑</m:t>
                     </m:r>
                     <m:r>
-                      <a:rPr lang="fr-FR" sz="700" i="1"/>
+                      <a:rPr lang="fr-FR" sz="700" i="1">
+                        <a:latin typeface="Cambria Math"/>
+                      </a:rPr>
                       <m:t>⋅</m:t>
                     </m:r>
                     <m:sSup>
                       <m:sSupPr>
                         <m:ctrlPr>
-                          <a:rPr lang="fr-FR" sz="700" i="1"/>
+                          <a:rPr lang="fr-FR" sz="700" i="1">
+                            <a:latin typeface="Cambria Math"/>
+                          </a:rPr>
                         </m:ctrlPr>
                       </m:sSupPr>
                       <m:e>
                         <m:r>
-                          <a:rPr lang="fr-FR" sz="700" i="1"/>
+                          <a:rPr lang="fr-FR" sz="700" i="1">
+                            <a:latin typeface="Cambria Math"/>
+                          </a:rPr>
                           <m:t>𝑠</m:t>
                         </m:r>
                       </m:e>
                       <m:sup>
                         <m:r>
-                          <a:rPr lang="fr-FR" sz="700" i="1"/>
+                          <a:rPr lang="fr-FR" sz="700" i="1">
+                            <a:latin typeface="Cambria Math"/>
+                          </a:rPr>
                           <m:t>−1</m:t>
                         </m:r>
                       </m:sup>
                     </m:sSup>
                     <m:r>
-                      <a:rPr lang="fr-FR" sz="700" i="1"/>
+                      <a:rPr lang="fr-FR" sz="700" i="1">
+                        <a:latin typeface="Cambria Math"/>
+                      </a:rPr>
                       <m:t>=47,2 </m:t>
                     </m:r>
                     <m:r>
-                      <a:rPr lang="fr-FR" sz="700" i="1"/>
+                      <a:rPr lang="fr-FR" sz="700" i="1">
+                        <a:latin typeface="Cambria Math"/>
+                      </a:rPr>
                       <m:t>𝑡𝑜𝑢𝑟</m:t>
                     </m:r>
                     <m:r>
-                      <a:rPr lang="fr-FR" sz="700" i="1"/>
+                      <a:rPr lang="fr-FR" sz="700" i="1">
+                        <a:latin typeface="Cambria Math"/>
+                      </a:rPr>
                       <m:t>/</m:t>
                     </m:r>
                     <m:r>
-                      <a:rPr lang="fr-FR" sz="700" i="1"/>
+                      <a:rPr lang="fr-FR" sz="700" i="1">
+                        <a:latin typeface="Cambria Math"/>
+                      </a:rPr>
                       <m:t>𝑚𝑖𝑛</m:t>
                     </m:r>
                   </m:oMath>
@@ -8606,28 +8532,38 @@
                     <m:sSub>
                       <m:sSubPr>
                         <m:ctrlPr>
-                          <a:rPr lang="fr-FR" sz="700" i="1"/>
+                          <a:rPr lang="fr-FR" sz="700" i="1">
+                            <a:latin typeface="Cambria Math"/>
+                          </a:rPr>
                         </m:ctrlPr>
                       </m:sSubPr>
                       <m:e>
                         <m:r>
-                          <a:rPr lang="fr-FR" sz="700" i="1"/>
+                          <a:rPr lang="fr-FR" sz="700" i="1">
+                            <a:latin typeface="Cambria Math"/>
+                          </a:rPr>
                           <m:t>𝑇</m:t>
                         </m:r>
                       </m:e>
                       <m:sub>
                         <m:r>
-                          <a:rPr lang="fr-FR" sz="700" i="1"/>
+                          <a:rPr lang="fr-FR" sz="700" i="1">
+                            <a:latin typeface="Cambria Math"/>
+                          </a:rPr>
                           <m:t>𝑐</m:t>
                         </m:r>
                       </m:sub>
                     </m:sSub>
                     <m:r>
-                      <a:rPr lang="fr-FR" sz="700" i="1"/>
+                      <a:rPr lang="fr-FR" sz="700" i="1">
+                        <a:latin typeface="Cambria Math"/>
+                      </a:rPr>
                       <m:t>=0,671 </m:t>
                     </m:r>
                     <m:r>
-                      <a:rPr lang="fr-FR" sz="700" i="1"/>
+                      <a:rPr lang="fr-FR" sz="700" i="1">
+                        <a:latin typeface="Cambria Math"/>
+                      </a:rPr>
                       <m:t>𝑠</m:t>
                     </m:r>
                   </m:oMath>
@@ -8649,7 +8585,7 @@
             </p:txBody>
           </p:sp>
         </mc:Choice>
-        <mc:Fallback>
+        <mc:Fallback xmlns="">
           <p:sp>
             <p:nvSpPr>
               <p:cNvPr id="18" name="Rectangle 17"/>
@@ -8758,8 +8694,8 @@
           </a:fontRef>
         </p:style>
       </p:cxnSp>
-      <mc:AlternateContent xmlns:mc="http://schemas.openxmlformats.org/markup-compatibility/2006">
-        <mc:Choice xmlns:a14="http://schemas.microsoft.com/office/drawing/2010/main" Requires="a14">
+      <mc:AlternateContent xmlns:mc="http://schemas.openxmlformats.org/markup-compatibility/2006" xmlns:a14="http://schemas.microsoft.com/office/drawing/2010/main">
+        <mc:Choice Requires="a14">
           <p:sp>
             <p:nvSpPr>
               <p:cNvPr id="22" name="Rectangle 21"/>
@@ -8781,6 +8717,7 @@
               </a:bodyPr>
               <a:lstStyle/>
               <a:p>
+                <a:pPr/>
                 <a14:m>
                   <m:oMathPara xmlns:m="http://schemas.openxmlformats.org/officeDocument/2006/math">
                     <m:oMathParaPr>
@@ -8819,7 +8756,7 @@
             </p:txBody>
           </p:sp>
         </mc:Choice>
-        <mc:Fallback>
+        <mc:Fallback xmlns="">
           <p:sp>
             <p:nvSpPr>
               <p:cNvPr id="22" name="Rectangle 21"/>
@@ -8858,8 +8795,8 @@
           </p:sp>
         </mc:Fallback>
       </mc:AlternateContent>
-      <mc:AlternateContent xmlns:mc="http://schemas.openxmlformats.org/markup-compatibility/2006">
-        <mc:Choice xmlns:a14="http://schemas.microsoft.com/office/drawing/2010/main" Requires="a14">
+      <mc:AlternateContent xmlns:mc="http://schemas.openxmlformats.org/markup-compatibility/2006" xmlns:a14="http://schemas.microsoft.com/office/drawing/2010/main">
+        <mc:Choice Requires="a14">
           <p:sp>
             <p:nvSpPr>
               <p:cNvPr id="93" name="Rectangle 92"/>
@@ -8881,6 +8818,7 @@
               </a:bodyPr>
               <a:lstStyle/>
               <a:p>
+                <a:pPr/>
                 <a14:m>
                   <m:oMathPara xmlns:m="http://schemas.openxmlformats.org/officeDocument/2006/math">
                     <m:oMathParaPr>
@@ -8901,7 +8839,7 @@
             </p:txBody>
           </p:sp>
         </mc:Choice>
-        <mc:Fallback>
+        <mc:Fallback xmlns="">
           <p:sp>
             <p:nvSpPr>
               <p:cNvPr id="93" name="Rectangle 92"/>
@@ -8940,8 +8878,8 @@
           </p:sp>
         </mc:Fallback>
       </mc:AlternateContent>
-      <mc:AlternateContent xmlns:mc="http://schemas.openxmlformats.org/markup-compatibility/2006">
-        <mc:Choice xmlns:a14="http://schemas.microsoft.com/office/drawing/2010/main" Requires="a14">
+      <mc:AlternateContent xmlns:mc="http://schemas.openxmlformats.org/markup-compatibility/2006" xmlns:a14="http://schemas.microsoft.com/office/drawing/2010/main">
+        <mc:Choice Requires="a14">
           <p:sp>
             <p:nvSpPr>
               <p:cNvPr id="23" name="Rectangle 22"/>
@@ -8963,6 +8901,7 @@
               </a:bodyPr>
               <a:lstStyle/>
               <a:p>
+                <a:pPr/>
                 <a14:m>
                   <m:oMathPara xmlns:m="http://schemas.openxmlformats.org/officeDocument/2006/math">
                     <m:oMathParaPr>
@@ -9002,7 +8941,7 @@
             </p:txBody>
           </p:sp>
         </mc:Choice>
-        <mc:Fallback>
+        <mc:Fallback xmlns="">
           <p:sp>
             <p:nvSpPr>
               <p:cNvPr id="23" name="Rectangle 22"/>
@@ -9078,8 +9017,8 @@
           </a:fontRef>
         </p:style>
       </p:cxnSp>
-      <mc:AlternateContent xmlns:mc="http://schemas.openxmlformats.org/markup-compatibility/2006">
-        <mc:Choice xmlns:a14="http://schemas.microsoft.com/office/drawing/2010/main" Requires="a14">
+      <mc:AlternateContent xmlns:mc="http://schemas.openxmlformats.org/markup-compatibility/2006" xmlns:a14="http://schemas.microsoft.com/office/drawing/2010/main">
+        <mc:Choice Requires="a14">
           <p:sp>
             <p:nvSpPr>
               <p:cNvPr id="95" name="Rectangle 94"/>
@@ -9101,6 +9040,7 @@
               </a:bodyPr>
               <a:lstStyle/>
               <a:p>
+                <a:pPr/>
                 <a14:m>
                   <m:oMathPara xmlns:m="http://schemas.openxmlformats.org/officeDocument/2006/math">
                     <m:oMathParaPr>
@@ -9140,7 +9080,7 @@
             </p:txBody>
           </p:sp>
         </mc:Choice>
-        <mc:Fallback>
+        <mc:Fallback xmlns="">
           <p:sp>
             <p:nvSpPr>
               <p:cNvPr id="95" name="Rectangle 94"/>
@@ -9179,6 +9119,664 @@
           </p:sp>
         </mc:Fallback>
       </mc:AlternateContent>
+      <p:pic>
+        <p:nvPicPr>
+          <p:cNvPr id="4" name="Picture 2"/>
+          <p:cNvPicPr>
+            <a:picLocks noChangeAspect="1" noChangeArrowheads="1"/>
+          </p:cNvPicPr>
+          <p:nvPr/>
+        </p:nvPicPr>
+        <p:blipFill>
+          <a:blip r:embed="rId12" cstate="print">
+            <a:extLst>
+              <a:ext uri="{28A0092B-C50C-407E-A947-70E740481C1C}">
+                <a14:useLocalDpi xmlns:a14="http://schemas.microsoft.com/office/drawing/2010/main" val="0"/>
+              </a:ext>
+            </a:extLst>
+          </a:blip>
+          <a:srcRect/>
+          <a:stretch>
+            <a:fillRect/>
+          </a:stretch>
+        </p:blipFill>
+        <p:spPr bwMode="auto">
+          <a:xfrm>
+            <a:off x="444917" y="2872421"/>
+            <a:ext cx="1779944" cy="988628"/>
+          </a:xfrm>
+          <a:prstGeom prst="rect">
+            <a:avLst/>
+          </a:prstGeom>
+          <a:noFill/>
+          <a:ln>
+            <a:noFill/>
+          </a:ln>
+          <a:extLst>
+            <a:ext uri="{909E8E84-426E-40DD-AFC4-6F175D3DCCD1}">
+              <a14:hiddenFill xmlns:a14="http://schemas.microsoft.com/office/drawing/2010/main">
+                <a:solidFill>
+                  <a:schemeClr val="accent1"/>
+                </a:solidFill>
+              </a14:hiddenFill>
+            </a:ext>
+            <a:ext uri="{91240B29-F687-4F45-9708-019B960494DF}">
+              <a14:hiddenLine xmlns:a14="http://schemas.microsoft.com/office/drawing/2010/main" w="9525">
+                <a:solidFill>
+                  <a:schemeClr val="tx1"/>
+                </a:solidFill>
+                <a:miter lim="800000"/>
+                <a:headEnd/>
+                <a:tailEnd/>
+              </a14:hiddenLine>
+            </a:ext>
+          </a:extLst>
+        </p:spPr>
+      </p:pic>
+      <p:sp>
+        <p:nvSpPr>
+          <p:cNvPr id="96" name="ZoneTexte 95"/>
+          <p:cNvSpPr txBox="1"/>
+          <p:nvPr/>
+        </p:nvSpPr>
+        <p:spPr>
+          <a:xfrm>
+            <a:off x="1012847" y="3501782"/>
+            <a:ext cx="1168146" cy="338554"/>
+          </a:xfrm>
+          <a:prstGeom prst="rect">
+            <a:avLst/>
+          </a:prstGeom>
+          <a:noFill/>
+        </p:spPr>
+        <p:txBody>
+          <a:bodyPr wrap="square" rtlCol="0">
+            <a:spAutoFit/>
+          </a:bodyPr>
+          <a:lstStyle/>
+          <a:p>
+            <a:r>
+              <a:rPr lang="fr-FR" sz="800" i="1" dirty="0" smtClean="0"/>
+              <a:t>Angle motoréducteur (degrés)</a:t>
+            </a:r>
+            <a:endParaRPr lang="fr-FR" sz="800" i="1" dirty="0"/>
+          </a:p>
+        </p:txBody>
+      </p:sp>
+      <p:sp>
+        <p:nvSpPr>
+          <p:cNvPr id="97" name="ZoneTexte 96"/>
+          <p:cNvSpPr txBox="1"/>
+          <p:nvPr/>
+        </p:nvSpPr>
+        <p:spPr>
+          <a:xfrm rot="16200000">
+            <a:off x="101064" y="3259040"/>
+            <a:ext cx="995486" cy="200055"/>
+          </a:xfrm>
+          <a:prstGeom prst="rect">
+            <a:avLst/>
+          </a:prstGeom>
+          <a:noFill/>
+        </p:spPr>
+        <p:txBody>
+          <a:bodyPr wrap="square" rtlCol="0">
+            <a:spAutoFit/>
+          </a:bodyPr>
+          <a:lstStyle/>
+          <a:p>
+            <a:r>
+              <a:rPr lang="fr-FR" sz="700" i="1" dirty="0" smtClean="0"/>
+              <a:t>Angle lisse (degrés)</a:t>
+            </a:r>
+            <a:endParaRPr lang="fr-FR" sz="700" i="1" dirty="0"/>
+          </a:p>
+        </p:txBody>
+      </p:sp>
+      <p:pic>
+        <p:nvPicPr>
+          <p:cNvPr id="1027" name="Picture 3"/>
+          <p:cNvPicPr>
+            <a:picLocks noChangeAspect="1" noChangeArrowheads="1"/>
+          </p:cNvPicPr>
+          <p:nvPr/>
+        </p:nvPicPr>
+        <p:blipFill>
+          <a:blip r:embed="rId13" cstate="print">
+            <a:extLst>
+              <a:ext uri="{28A0092B-C50C-407E-A947-70E740481C1C}">
+                <a14:useLocalDpi xmlns:a14="http://schemas.microsoft.com/office/drawing/2010/main" val="0"/>
+              </a:ext>
+            </a:extLst>
+          </a:blip>
+          <a:srcRect/>
+          <a:stretch>
+            <a:fillRect/>
+          </a:stretch>
+        </p:blipFill>
+        <p:spPr bwMode="auto">
+          <a:xfrm>
+            <a:off x="1517433" y="3759872"/>
+            <a:ext cx="1923400" cy="951433"/>
+          </a:xfrm>
+          <a:prstGeom prst="rect">
+            <a:avLst/>
+          </a:prstGeom>
+          <a:noFill/>
+          <a:ln>
+            <a:noFill/>
+          </a:ln>
+          <a:extLst>
+            <a:ext uri="{909E8E84-426E-40DD-AFC4-6F175D3DCCD1}">
+              <a14:hiddenFill xmlns:a14="http://schemas.microsoft.com/office/drawing/2010/main">
+                <a:solidFill>
+                  <a:schemeClr val="accent1"/>
+                </a:solidFill>
+              </a14:hiddenFill>
+            </a:ext>
+            <a:ext uri="{91240B29-F687-4F45-9708-019B960494DF}">
+              <a14:hiddenLine xmlns:a14="http://schemas.microsoft.com/office/drawing/2010/main" w="9525">
+                <a:solidFill>
+                  <a:schemeClr val="tx1"/>
+                </a:solidFill>
+                <a:miter lim="800000"/>
+                <a:headEnd/>
+                <a:tailEnd/>
+              </a14:hiddenLine>
+            </a:ext>
+          </a:extLst>
+        </p:spPr>
+      </p:pic>
+      <p:sp>
+        <p:nvSpPr>
+          <p:cNvPr id="65" name="ZoneTexte 64"/>
+          <p:cNvSpPr txBox="1"/>
+          <p:nvPr/>
+        </p:nvSpPr>
+        <p:spPr>
+          <a:xfrm>
+            <a:off x="480921" y="4523676"/>
+            <a:ext cx="2959912" cy="246221"/>
+          </a:xfrm>
+          <a:prstGeom prst="rect">
+            <a:avLst/>
+          </a:prstGeom>
+          <a:noFill/>
+        </p:spPr>
+        <p:txBody>
+          <a:bodyPr wrap="square" rtlCol="0">
+            <a:spAutoFit/>
+          </a:bodyPr>
+          <a:lstStyle/>
+          <a:p>
+            <a:r>
+              <a:rPr lang="fr-FR" sz="1000" i="1" dirty="0" smtClean="0"/>
+              <a:t>Activité 5 : courbe de vitesse de la barrière</a:t>
+            </a:r>
+            <a:endParaRPr lang="fr-FR" sz="1000" i="1" dirty="0"/>
+          </a:p>
+        </p:txBody>
+      </p:sp>
+      <p:sp>
+        <p:nvSpPr>
+          <p:cNvPr id="98" name="ZoneTexte 97"/>
+          <p:cNvSpPr txBox="1"/>
+          <p:nvPr/>
+        </p:nvSpPr>
+        <p:spPr>
+          <a:xfrm rot="16200000">
+            <a:off x="982501" y="4064242"/>
+            <a:ext cx="844504" cy="307777"/>
+          </a:xfrm>
+          <a:prstGeom prst="rect">
+            <a:avLst/>
+          </a:prstGeom>
+          <a:noFill/>
+        </p:spPr>
+        <p:txBody>
+          <a:bodyPr wrap="square" rtlCol="0">
+            <a:spAutoFit/>
+          </a:bodyPr>
+          <a:lstStyle/>
+          <a:p>
+            <a:r>
+              <a:rPr lang="fr-FR" sz="700" i="1" dirty="0" smtClean="0"/>
+              <a:t>Taux rotation barrière </a:t>
+            </a:r>
+            <a:r>
+              <a:rPr lang="fr-FR" sz="700" i="1" dirty="0" smtClean="0"/>
+              <a:t>(rad/s)</a:t>
+            </a:r>
+            <a:endParaRPr lang="fr-FR" sz="700" i="1" dirty="0"/>
+          </a:p>
+        </p:txBody>
+      </p:sp>
+      <p:sp>
+        <p:nvSpPr>
+          <p:cNvPr id="99" name="ZoneTexte 98"/>
+          <p:cNvSpPr txBox="1"/>
+          <p:nvPr/>
+        </p:nvSpPr>
+        <p:spPr>
+          <a:xfrm>
+            <a:off x="3957294" y="2896067"/>
+            <a:ext cx="3083938" cy="215444"/>
+          </a:xfrm>
+          <a:prstGeom prst="rect">
+            <a:avLst/>
+          </a:prstGeom>
+          <a:noFill/>
+        </p:spPr>
+        <p:txBody>
+          <a:bodyPr wrap="square" rtlCol="0">
+            <a:spAutoFit/>
+          </a:bodyPr>
+          <a:lstStyle/>
+          <a:p>
+            <a:r>
+              <a:rPr lang="fr-FR" sz="800" b="1" i="1" dirty="0" smtClean="0"/>
+              <a:t>Ajouter couple moteur inconnu et pesanteur</a:t>
+            </a:r>
+            <a:endParaRPr lang="fr-FR" sz="800" b="1" i="1" dirty="0"/>
+          </a:p>
+        </p:txBody>
+      </p:sp>
+      <p:pic>
+        <p:nvPicPr>
+          <p:cNvPr id="1028" name="Picture 4"/>
+          <p:cNvPicPr>
+            <a:picLocks noChangeAspect="1" noChangeArrowheads="1"/>
+          </p:cNvPicPr>
+          <p:nvPr/>
+        </p:nvPicPr>
+        <p:blipFill>
+          <a:blip r:embed="rId14" cstate="print">
+            <a:extLst>
+              <a:ext uri="{28A0092B-C50C-407E-A947-70E740481C1C}">
+                <a14:useLocalDpi xmlns:a14="http://schemas.microsoft.com/office/drawing/2010/main" val="0"/>
+              </a:ext>
+            </a:extLst>
+          </a:blip>
+          <a:srcRect/>
+          <a:stretch>
+            <a:fillRect/>
+          </a:stretch>
+        </p:blipFill>
+        <p:spPr bwMode="auto">
+          <a:xfrm>
+            <a:off x="4079504" y="3447103"/>
+            <a:ext cx="1419759" cy="712985"/>
+          </a:xfrm>
+          <a:prstGeom prst="rect">
+            <a:avLst/>
+          </a:prstGeom>
+          <a:noFill/>
+          <a:ln>
+            <a:noFill/>
+          </a:ln>
+          <a:extLst>
+            <a:ext uri="{909E8E84-426E-40DD-AFC4-6F175D3DCCD1}">
+              <a14:hiddenFill xmlns:a14="http://schemas.microsoft.com/office/drawing/2010/main">
+                <a:solidFill>
+                  <a:schemeClr val="accent1"/>
+                </a:solidFill>
+              </a14:hiddenFill>
+            </a:ext>
+            <a:ext uri="{91240B29-F687-4F45-9708-019B960494DF}">
+              <a14:hiddenLine xmlns:a14="http://schemas.microsoft.com/office/drawing/2010/main" w="9525">
+                <a:solidFill>
+                  <a:schemeClr val="tx1"/>
+                </a:solidFill>
+                <a:miter lim="800000"/>
+                <a:headEnd/>
+                <a:tailEnd/>
+              </a14:hiddenLine>
+            </a:ext>
+          </a:extLst>
+        </p:spPr>
+      </p:pic>
+      <p:sp>
+        <p:nvSpPr>
+          <p:cNvPr id="100" name="ZoneTexte 99"/>
+          <p:cNvSpPr txBox="1"/>
+          <p:nvPr/>
+        </p:nvSpPr>
+        <p:spPr>
+          <a:xfrm>
+            <a:off x="4661303" y="3259723"/>
+            <a:ext cx="900329" cy="338554"/>
+          </a:xfrm>
+          <a:prstGeom prst="rect">
+            <a:avLst/>
+          </a:prstGeom>
+          <a:noFill/>
+        </p:spPr>
+        <p:txBody>
+          <a:bodyPr wrap="square" rtlCol="0">
+            <a:spAutoFit/>
+          </a:bodyPr>
+          <a:lstStyle/>
+          <a:p>
+            <a:r>
+              <a:rPr lang="fr-FR" sz="800" b="1" i="1" dirty="0" smtClean="0"/>
+              <a:t>Barrière ouverte couple nul</a:t>
+            </a:r>
+            <a:endParaRPr lang="fr-FR" sz="800" b="1" i="1" dirty="0"/>
+          </a:p>
+        </p:txBody>
+      </p:sp>
+      <p:pic>
+        <p:nvPicPr>
+          <p:cNvPr id="1029" name="Picture 5"/>
+          <p:cNvPicPr>
+            <a:picLocks noChangeAspect="1" noChangeArrowheads="1"/>
+          </p:cNvPicPr>
+          <p:nvPr/>
+        </p:nvPicPr>
+        <p:blipFill>
+          <a:blip r:embed="rId15" cstate="print">
+            <a:extLst>
+              <a:ext uri="{28A0092B-C50C-407E-A947-70E740481C1C}">
+                <a14:useLocalDpi xmlns:a14="http://schemas.microsoft.com/office/drawing/2010/main" val="0"/>
+              </a:ext>
+            </a:extLst>
+          </a:blip>
+          <a:srcRect/>
+          <a:stretch>
+            <a:fillRect/>
+          </a:stretch>
+        </p:blipFill>
+        <p:spPr bwMode="auto">
+          <a:xfrm>
+            <a:off x="5688923" y="3469824"/>
+            <a:ext cx="1365916" cy="652107"/>
+          </a:xfrm>
+          <a:prstGeom prst="rect">
+            <a:avLst/>
+          </a:prstGeom>
+          <a:noFill/>
+          <a:ln>
+            <a:noFill/>
+          </a:ln>
+          <a:extLst>
+            <a:ext uri="{909E8E84-426E-40DD-AFC4-6F175D3DCCD1}">
+              <a14:hiddenFill xmlns:a14="http://schemas.microsoft.com/office/drawing/2010/main">
+                <a:solidFill>
+                  <a:schemeClr val="accent1"/>
+                </a:solidFill>
+              </a14:hiddenFill>
+            </a:ext>
+            <a:ext uri="{91240B29-F687-4F45-9708-019B960494DF}">
+              <a14:hiddenLine xmlns:a14="http://schemas.microsoft.com/office/drawing/2010/main" w="9525">
+                <a:solidFill>
+                  <a:schemeClr val="tx1"/>
+                </a:solidFill>
+                <a:miter lim="800000"/>
+                <a:headEnd/>
+                <a:tailEnd/>
+              </a14:hiddenLine>
+            </a:ext>
+          </a:extLst>
+        </p:spPr>
+      </p:pic>
+      <p:sp>
+        <p:nvSpPr>
+          <p:cNvPr id="101" name="ZoneTexte 100"/>
+          <p:cNvSpPr txBox="1"/>
+          <p:nvPr/>
+        </p:nvSpPr>
+        <p:spPr>
+          <a:xfrm rot="16200000">
+            <a:off x="3513819" y="3659845"/>
+            <a:ext cx="995486" cy="200055"/>
+          </a:xfrm>
+          <a:prstGeom prst="rect">
+            <a:avLst/>
+          </a:prstGeom>
+          <a:noFill/>
+        </p:spPr>
+        <p:txBody>
+          <a:bodyPr wrap="square" rtlCol="0">
+            <a:spAutoFit/>
+          </a:bodyPr>
+          <a:lstStyle/>
+          <a:p>
+            <a:r>
+              <a:rPr lang="fr-FR" sz="700" i="1" dirty="0" smtClean="0"/>
+              <a:t>Couple moteur</a:t>
+            </a:r>
+            <a:endParaRPr lang="fr-FR" sz="700" i="1" dirty="0"/>
+          </a:p>
+        </p:txBody>
+      </p:sp>
+      <p:sp>
+        <p:nvSpPr>
+          <p:cNvPr id="102" name="ZoneTexte 101"/>
+          <p:cNvSpPr txBox="1"/>
+          <p:nvPr/>
+        </p:nvSpPr>
+        <p:spPr>
+          <a:xfrm rot="16200000">
+            <a:off x="5101548" y="3703567"/>
+            <a:ext cx="995486" cy="200055"/>
+          </a:xfrm>
+          <a:prstGeom prst="rect">
+            <a:avLst/>
+          </a:prstGeom>
+          <a:noFill/>
+        </p:spPr>
+        <p:txBody>
+          <a:bodyPr wrap="square" rtlCol="0">
+            <a:spAutoFit/>
+          </a:bodyPr>
+          <a:lstStyle/>
+          <a:p>
+            <a:r>
+              <a:rPr lang="fr-FR" sz="700" i="1" dirty="0" smtClean="0"/>
+              <a:t>Puissance moteur</a:t>
+            </a:r>
+            <a:endParaRPr lang="fr-FR" sz="700" i="1" dirty="0"/>
+          </a:p>
+        </p:txBody>
+      </p:sp>
+      <p:pic>
+        <p:nvPicPr>
+          <p:cNvPr id="1031" name="Picture 7"/>
+          <p:cNvPicPr>
+            <a:picLocks noChangeAspect="1" noChangeArrowheads="1"/>
+          </p:cNvPicPr>
+          <p:nvPr/>
+        </p:nvPicPr>
+        <p:blipFill>
+          <a:blip r:embed="rId16" cstate="print">
+            <a:extLst>
+              <a:ext uri="{28A0092B-C50C-407E-A947-70E740481C1C}">
+                <a14:useLocalDpi xmlns:a14="http://schemas.microsoft.com/office/drawing/2010/main" val="0"/>
+              </a:ext>
+            </a:extLst>
+          </a:blip>
+          <a:srcRect/>
+          <a:stretch>
+            <a:fillRect/>
+          </a:stretch>
+        </p:blipFill>
+        <p:spPr bwMode="auto">
+          <a:xfrm>
+            <a:off x="688296" y="5070231"/>
+            <a:ext cx="1158739" cy="1282263"/>
+          </a:xfrm>
+          <a:prstGeom prst="rect">
+            <a:avLst/>
+          </a:prstGeom>
+          <a:noFill/>
+          <a:ln>
+            <a:noFill/>
+          </a:ln>
+          <a:extLst>
+            <a:ext uri="{909E8E84-426E-40DD-AFC4-6F175D3DCCD1}">
+              <a14:hiddenFill xmlns:a14="http://schemas.microsoft.com/office/drawing/2010/main">
+                <a:solidFill>
+                  <a:schemeClr val="accent1"/>
+                </a:solidFill>
+              </a14:hiddenFill>
+            </a:ext>
+            <a:ext uri="{91240B29-F687-4F45-9708-019B960494DF}">
+              <a14:hiddenLine xmlns:a14="http://schemas.microsoft.com/office/drawing/2010/main" w="9525">
+                <a:solidFill>
+                  <a:schemeClr val="tx1"/>
+                </a:solidFill>
+                <a:miter lim="800000"/>
+                <a:headEnd/>
+                <a:tailEnd/>
+              </a14:hiddenLine>
+            </a:ext>
+          </a:extLst>
+        </p:spPr>
+      </p:pic>
+      <p:pic>
+        <p:nvPicPr>
+          <p:cNvPr id="1032" name="Picture 8"/>
+          <p:cNvPicPr>
+            <a:picLocks noChangeAspect="1" noChangeArrowheads="1"/>
+          </p:cNvPicPr>
+          <p:nvPr/>
+        </p:nvPicPr>
+        <p:blipFill>
+          <a:blip r:embed="rId17" cstate="print">
+            <a:extLst>
+              <a:ext uri="{28A0092B-C50C-407E-A947-70E740481C1C}">
+                <a14:useLocalDpi xmlns:a14="http://schemas.microsoft.com/office/drawing/2010/main" val="0"/>
+              </a:ext>
+            </a:extLst>
+          </a:blip>
+          <a:srcRect/>
+          <a:stretch>
+            <a:fillRect/>
+          </a:stretch>
+        </p:blipFill>
+        <p:spPr bwMode="auto">
+          <a:xfrm>
+            <a:off x="2169474" y="5072200"/>
+            <a:ext cx="1150886" cy="1134591"/>
+          </a:xfrm>
+          <a:prstGeom prst="rect">
+            <a:avLst/>
+          </a:prstGeom>
+          <a:noFill/>
+          <a:ln>
+            <a:noFill/>
+          </a:ln>
+          <a:extLst>
+            <a:ext uri="{909E8E84-426E-40DD-AFC4-6F175D3DCCD1}">
+              <a14:hiddenFill xmlns:a14="http://schemas.microsoft.com/office/drawing/2010/main">
+                <a:solidFill>
+                  <a:schemeClr val="accent1"/>
+                </a:solidFill>
+              </a14:hiddenFill>
+            </a:ext>
+            <a:ext uri="{91240B29-F687-4F45-9708-019B960494DF}">
+              <a14:hiddenLine xmlns:a14="http://schemas.microsoft.com/office/drawing/2010/main" w="9525">
+                <a:solidFill>
+                  <a:schemeClr val="tx1"/>
+                </a:solidFill>
+                <a:miter lim="800000"/>
+                <a:headEnd/>
+                <a:tailEnd/>
+              </a14:hiddenLine>
+            </a:ext>
+          </a:extLst>
+        </p:spPr>
+      </p:pic>
+      <p:pic>
+        <p:nvPicPr>
+          <p:cNvPr id="1033" name="Picture 9"/>
+          <p:cNvPicPr>
+            <a:picLocks noChangeAspect="1" noChangeArrowheads="1"/>
+          </p:cNvPicPr>
+          <p:nvPr/>
+        </p:nvPicPr>
+        <p:blipFill>
+          <a:blip r:embed="rId18" cstate="print">
+            <a:extLst>
+              <a:ext uri="{28A0092B-C50C-407E-A947-70E740481C1C}">
+                <a14:useLocalDpi xmlns:a14="http://schemas.microsoft.com/office/drawing/2010/main" val="0"/>
+              </a:ext>
+            </a:extLst>
+          </a:blip>
+          <a:srcRect/>
+          <a:stretch>
+            <a:fillRect/>
+          </a:stretch>
+        </p:blipFill>
+        <p:spPr bwMode="auto">
+          <a:xfrm>
+            <a:off x="6371881" y="5019748"/>
+            <a:ext cx="1605700" cy="1079908"/>
+          </a:xfrm>
+          <a:prstGeom prst="rect">
+            <a:avLst/>
+          </a:prstGeom>
+          <a:noFill/>
+          <a:ln>
+            <a:noFill/>
+          </a:ln>
+          <a:extLst>
+            <a:ext uri="{909E8E84-426E-40DD-AFC4-6F175D3DCCD1}">
+              <a14:hiddenFill xmlns:a14="http://schemas.microsoft.com/office/drawing/2010/main">
+                <a:solidFill>
+                  <a:schemeClr val="accent1"/>
+                </a:solidFill>
+              </a14:hiddenFill>
+            </a:ext>
+            <a:ext uri="{91240B29-F687-4F45-9708-019B960494DF}">
+              <a14:hiddenLine xmlns:a14="http://schemas.microsoft.com/office/drawing/2010/main" w="9525">
+                <a:solidFill>
+                  <a:schemeClr val="tx1"/>
+                </a:solidFill>
+                <a:miter lim="800000"/>
+                <a:headEnd/>
+                <a:tailEnd/>
+              </a14:hiddenLine>
+            </a:ext>
+          </a:extLst>
+        </p:spPr>
+      </p:pic>
+      <p:pic>
+        <p:nvPicPr>
+          <p:cNvPr id="103" name="Image 102"/>
+          <p:cNvPicPr/>
+          <p:nvPr/>
+        </p:nvPicPr>
+        <p:blipFill rotWithShape="1">
+          <a:blip r:embed="rId19" cstate="print">
+            <a:extLst>
+              <a:ext uri="{28A0092B-C50C-407E-A947-70E740481C1C}">
+                <a14:useLocalDpi xmlns:a14="http://schemas.microsoft.com/office/drawing/2010/main" val="0"/>
+              </a:ext>
+            </a:extLst>
+          </a:blip>
+          <a:srcRect l="48401" t="21453" r="1323" b="58855"/>
+          <a:stretch/>
+        </p:blipFill>
+        <p:spPr bwMode="auto">
+          <a:xfrm>
+            <a:off x="7977581" y="5763276"/>
+            <a:ext cx="1558700" cy="871782"/>
+          </a:xfrm>
+          <a:prstGeom prst="rect">
+            <a:avLst/>
+          </a:prstGeom>
+          <a:noFill/>
+          <a:ln>
+            <a:noFill/>
+          </a:ln>
+          <a:extLst>
+            <a:ext uri="{53640926-AAD7-44D8-BBD7-CCE9431645EC}">
+              <a14:shadowObscured xmlns:a14="http://schemas.microsoft.com/office/drawing/2010/main"/>
+            </a:ext>
+          </a:extLst>
+        </p:spPr>
+      </p:pic>
     </p:spTree>
     <p:extLst>
       <p:ext uri="{BB962C8B-B14F-4D97-AF65-F5344CB8AC3E}">
@@ -9849,8 +10447,8 @@
           </a:p>
         </p:txBody>
       </p:sp>
-      <mc:AlternateContent xmlns:mc="http://schemas.openxmlformats.org/markup-compatibility/2006">
-        <mc:Choice xmlns:a14="http://schemas.microsoft.com/office/drawing/2010/main" Requires="a14">
+      <mc:AlternateContent xmlns:mc="http://schemas.openxmlformats.org/markup-compatibility/2006" xmlns:a14="http://schemas.microsoft.com/office/drawing/2010/main">
+        <mc:Choice Requires="a14">
           <p:sp>
             <p:nvSpPr>
               <p:cNvPr id="33" name="ZoneTexte 32"/>
@@ -9927,7 +10525,7 @@
             </p:txBody>
           </p:sp>
         </mc:Choice>
-        <mc:Fallback>
+        <mc:Fallback xmlns="">
           <p:sp>
             <p:nvSpPr>
               <p:cNvPr id="33" name="ZoneTexte 32"/>
@@ -9966,8 +10564,8 @@
           </p:sp>
         </mc:Fallback>
       </mc:AlternateContent>
-      <mc:AlternateContent xmlns:mc="http://schemas.openxmlformats.org/markup-compatibility/2006">
-        <mc:Choice xmlns:a14="http://schemas.microsoft.com/office/drawing/2010/main" Requires="a14">
+      <mc:AlternateContent xmlns:mc="http://schemas.openxmlformats.org/markup-compatibility/2006" xmlns:a14="http://schemas.microsoft.com/office/drawing/2010/main">
+        <mc:Choice Requires="a14">
           <p:sp>
             <p:nvSpPr>
               <p:cNvPr id="34" name="ZoneTexte 33"/>
@@ -10044,7 +10642,7 @@
             </p:txBody>
           </p:sp>
         </mc:Choice>
-        <mc:Fallback>
+        <mc:Fallback xmlns="">
           <p:sp>
             <p:nvSpPr>
               <p:cNvPr id="34" name="ZoneTexte 33"/>
@@ -10125,8 +10723,8 @@
           </a:p>
         </p:txBody>
       </p:sp>
-      <mc:AlternateContent xmlns:mc="http://schemas.openxmlformats.org/markup-compatibility/2006">
-        <mc:Choice xmlns:a14="http://schemas.microsoft.com/office/drawing/2010/main" Requires="a14">
+      <mc:AlternateContent xmlns:mc="http://schemas.openxmlformats.org/markup-compatibility/2006" xmlns:a14="http://schemas.microsoft.com/office/drawing/2010/main">
+        <mc:Choice Requires="a14">
           <p:sp>
             <p:nvSpPr>
               <p:cNvPr id="37" name="ZoneTexte 36"/>
@@ -10203,7 +10801,7 @@
             </p:txBody>
           </p:sp>
         </mc:Choice>
-        <mc:Fallback>
+        <mc:Fallback xmlns="">
           <p:sp>
             <p:nvSpPr>
               <p:cNvPr id="37" name="ZoneTexte 36"/>
@@ -10720,8 +11318,8 @@
           </a:p>
         </p:txBody>
       </p:sp>
-      <mc:AlternateContent xmlns:mc="http://schemas.openxmlformats.org/markup-compatibility/2006">
-        <mc:Choice xmlns:a14="http://schemas.microsoft.com/office/drawing/2010/main" Requires="a14">
+      <mc:AlternateContent xmlns:mc="http://schemas.openxmlformats.org/markup-compatibility/2006" xmlns:a14="http://schemas.microsoft.com/office/drawing/2010/main">
+        <mc:Choice Requires="a14">
           <p:sp>
             <p:nvSpPr>
               <p:cNvPr id="49" name="ZoneTexte 48"/>
@@ -10798,7 +11396,7 @@
             </p:txBody>
           </p:sp>
         </mc:Choice>
-        <mc:Fallback>
+        <mc:Fallback xmlns="">
           <p:sp>
             <p:nvSpPr>
               <p:cNvPr id="49" name="ZoneTexte 48"/>
@@ -10837,8 +11435,8 @@
           </p:sp>
         </mc:Fallback>
       </mc:AlternateContent>
-      <mc:AlternateContent xmlns:mc="http://schemas.openxmlformats.org/markup-compatibility/2006">
-        <mc:Choice xmlns:a14="http://schemas.microsoft.com/office/drawing/2010/main" Requires="a14">
+      <mc:AlternateContent xmlns:mc="http://schemas.openxmlformats.org/markup-compatibility/2006" xmlns:a14="http://schemas.microsoft.com/office/drawing/2010/main">
+        <mc:Choice Requires="a14">
           <p:sp>
             <p:nvSpPr>
               <p:cNvPr id="51" name="ZoneTexte 50"/>
@@ -10903,7 +11501,7 @@
             </p:txBody>
           </p:sp>
         </mc:Choice>
-        <mc:Fallback>
+        <mc:Fallback xmlns="">
           <p:sp>
             <p:nvSpPr>
               <p:cNvPr id="51" name="ZoneTexte 50"/>
@@ -10942,8 +11540,8 @@
           </p:sp>
         </mc:Fallback>
       </mc:AlternateContent>
-      <mc:AlternateContent xmlns:mc="http://schemas.openxmlformats.org/markup-compatibility/2006">
-        <mc:Choice xmlns:a14="http://schemas.microsoft.com/office/drawing/2010/main" Requires="a14">
+      <mc:AlternateContent xmlns:mc="http://schemas.openxmlformats.org/markup-compatibility/2006" xmlns:a14="http://schemas.microsoft.com/office/drawing/2010/main">
+        <mc:Choice Requires="a14">
           <p:sp>
             <p:nvSpPr>
               <p:cNvPr id="52" name="ZoneTexte 51"/>
@@ -11020,7 +11618,7 @@
             </p:txBody>
           </p:sp>
         </mc:Choice>
-        <mc:Fallback>
+        <mc:Fallback xmlns="">
           <p:sp>
             <p:nvSpPr>
               <p:cNvPr id="52" name="ZoneTexte 51"/>
